--- a/others_res/演示文稿1.pptx
+++ b/others_res/演示文稿1.pptx
@@ -7,8 +7,13 @@
   <p:sldIdLst>
     <p:sldId id="256" r:id="rId2"/>
     <p:sldId id="259" r:id="rId3"/>
-    <p:sldId id="257" r:id="rId4"/>
-    <p:sldId id="258" r:id="rId5"/>
+    <p:sldId id="260" r:id="rId4"/>
+    <p:sldId id="257" r:id="rId5"/>
+    <p:sldId id="258" r:id="rId6"/>
+    <p:sldId id="264" r:id="rId7"/>
+    <p:sldId id="261" r:id="rId8"/>
+    <p:sldId id="262" r:id="rId9"/>
+    <p:sldId id="263" r:id="rId10"/>
   </p:sldIdLst>
   <p:sldSz cx="12192000" cy="6858000"/>
   <p:notesSz cx="6858000" cy="9144000"/>
@@ -262,7 +267,7 @@
           <a:p>
             <a:fld id="{559752F6-3BC8-426C-A9C6-2EC996D25DC1}" type="datetimeFigureOut">
               <a:rPr lang="zh-CN" altLang="en-US" smtClean="0"/>
-              <a:t>2018/9/6</a:t>
+              <a:t>2018/9/13</a:t>
             </a:fld>
             <a:endParaRPr lang="zh-CN" altLang="en-US"/>
           </a:p>
@@ -460,7 +465,7 @@
           <a:p>
             <a:fld id="{559752F6-3BC8-426C-A9C6-2EC996D25DC1}" type="datetimeFigureOut">
               <a:rPr lang="zh-CN" altLang="en-US" smtClean="0"/>
-              <a:t>2018/9/6</a:t>
+              <a:t>2018/9/13</a:t>
             </a:fld>
             <a:endParaRPr lang="zh-CN" altLang="en-US"/>
           </a:p>
@@ -668,7 +673,7 @@
           <a:p>
             <a:fld id="{559752F6-3BC8-426C-A9C6-2EC996D25DC1}" type="datetimeFigureOut">
               <a:rPr lang="zh-CN" altLang="en-US" smtClean="0"/>
-              <a:t>2018/9/6</a:t>
+              <a:t>2018/9/13</a:t>
             </a:fld>
             <a:endParaRPr lang="zh-CN" altLang="en-US"/>
           </a:p>
@@ -866,7 +871,7 @@
           <a:p>
             <a:fld id="{559752F6-3BC8-426C-A9C6-2EC996D25DC1}" type="datetimeFigureOut">
               <a:rPr lang="zh-CN" altLang="en-US" smtClean="0"/>
-              <a:t>2018/9/6</a:t>
+              <a:t>2018/9/13</a:t>
             </a:fld>
             <a:endParaRPr lang="zh-CN" altLang="en-US"/>
           </a:p>
@@ -1141,7 +1146,7 @@
           <a:p>
             <a:fld id="{559752F6-3BC8-426C-A9C6-2EC996D25DC1}" type="datetimeFigureOut">
               <a:rPr lang="zh-CN" altLang="en-US" smtClean="0"/>
-              <a:t>2018/9/6</a:t>
+              <a:t>2018/9/13</a:t>
             </a:fld>
             <a:endParaRPr lang="zh-CN" altLang="en-US"/>
           </a:p>
@@ -1406,7 +1411,7 @@
           <a:p>
             <a:fld id="{559752F6-3BC8-426C-A9C6-2EC996D25DC1}" type="datetimeFigureOut">
               <a:rPr lang="zh-CN" altLang="en-US" smtClean="0"/>
-              <a:t>2018/9/6</a:t>
+              <a:t>2018/9/13</a:t>
             </a:fld>
             <a:endParaRPr lang="zh-CN" altLang="en-US"/>
           </a:p>
@@ -1818,7 +1823,7 @@
           <a:p>
             <a:fld id="{559752F6-3BC8-426C-A9C6-2EC996D25DC1}" type="datetimeFigureOut">
               <a:rPr lang="zh-CN" altLang="en-US" smtClean="0"/>
-              <a:t>2018/9/6</a:t>
+              <a:t>2018/9/13</a:t>
             </a:fld>
             <a:endParaRPr lang="zh-CN" altLang="en-US"/>
           </a:p>
@@ -1959,7 +1964,7 @@
           <a:p>
             <a:fld id="{559752F6-3BC8-426C-A9C6-2EC996D25DC1}" type="datetimeFigureOut">
               <a:rPr lang="zh-CN" altLang="en-US" smtClean="0"/>
-              <a:t>2018/9/6</a:t>
+              <a:t>2018/9/13</a:t>
             </a:fld>
             <a:endParaRPr lang="zh-CN" altLang="en-US"/>
           </a:p>
@@ -2072,7 +2077,7 @@
           <a:p>
             <a:fld id="{559752F6-3BC8-426C-A9C6-2EC996D25DC1}" type="datetimeFigureOut">
               <a:rPr lang="zh-CN" altLang="en-US" smtClean="0"/>
-              <a:t>2018/9/6</a:t>
+              <a:t>2018/9/13</a:t>
             </a:fld>
             <a:endParaRPr lang="zh-CN" altLang="en-US"/>
           </a:p>
@@ -2383,7 +2388,7 @@
           <a:p>
             <a:fld id="{559752F6-3BC8-426C-A9C6-2EC996D25DC1}" type="datetimeFigureOut">
               <a:rPr lang="zh-CN" altLang="en-US" smtClean="0"/>
-              <a:t>2018/9/6</a:t>
+              <a:t>2018/9/13</a:t>
             </a:fld>
             <a:endParaRPr lang="zh-CN" altLang="en-US"/>
           </a:p>
@@ -2671,7 +2676,7 @@
           <a:p>
             <a:fld id="{559752F6-3BC8-426C-A9C6-2EC996D25DC1}" type="datetimeFigureOut">
               <a:rPr lang="zh-CN" altLang="en-US" smtClean="0"/>
-              <a:t>2018/9/6</a:t>
+              <a:t>2018/9/13</a:t>
             </a:fld>
             <a:endParaRPr lang="zh-CN" altLang="en-US"/>
           </a:p>
@@ -2912,7 +2917,7 @@
           <a:p>
             <a:fld id="{559752F6-3BC8-426C-A9C6-2EC996D25DC1}" type="datetimeFigureOut">
               <a:rPr lang="zh-CN" altLang="en-US" smtClean="0"/>
-              <a:t>2018/9/6</a:t>
+              <a:t>2018/9/13</a:t>
             </a:fld>
             <a:endParaRPr lang="zh-CN" altLang="en-US"/>
           </a:p>
@@ -3466,60 +3471,6 @@
           </a:sp3d>
         </p:spPr>
       </p:pic>
-      <p:sp>
-        <p:nvSpPr>
-          <p:cNvPr id="3" name="矩形 2">
-            <a:extLst>
-              <a:ext uri="{FF2B5EF4-FFF2-40B4-BE49-F238E27FC236}">
-                <a16:creationId xmlns:a16="http://schemas.microsoft.com/office/drawing/2014/main" id="{0FF76776-0241-454C-ACD3-631647485100}"/>
-              </a:ext>
-            </a:extLst>
-          </p:cNvPr>
-          <p:cNvSpPr/>
-          <p:nvPr/>
-        </p:nvSpPr>
-        <p:spPr>
-          <a:xfrm rot="230647">
-            <a:off x="2557086" y="533748"/>
-            <a:ext cx="1285539" cy="1446550"/>
-          </a:xfrm>
-          <a:prstGeom prst="rect">
-            <a:avLst/>
-          </a:prstGeom>
-          <a:noFill/>
-        </p:spPr>
-        <p:txBody>
-          <a:bodyPr wrap="square" lIns="91440" tIns="45720" rIns="91440" bIns="45720">
-            <a:spAutoFit/>
-          </a:bodyPr>
-          <a:lstStyle/>
-          <a:p>
-            <a:pPr algn="ctr"/>
-            <a:r>
-              <a:rPr lang="zh-CN" altLang="en-US" sz="8800" b="1" cap="none" spc="0" dirty="0">
-                <a:ln w="9525">
-                  <a:solidFill>
-                    <a:schemeClr val="bg1"/>
-                  </a:solidFill>
-                  <a:prstDash val="solid"/>
-                </a:ln>
-                <a:solidFill>
-                  <a:srgbClr val="FF3399"/>
-                </a:solidFill>
-                <a:effectLst>
-                  <a:outerShdw blurRad="12700" dist="38100" dir="2700000" algn="tl" rotWithShape="0">
-                    <a:schemeClr val="accent5">
-                      <a:lumMod val="60000"/>
-                      <a:lumOff val="40000"/>
-                    </a:schemeClr>
-                  </a:outerShdw>
-                </a:effectLst>
-              </a:rPr>
-              <a:t>先</a:t>
-            </a:r>
-          </a:p>
-        </p:txBody>
-      </p:sp>
     </p:spTree>
     <p:extLst>
       <p:ext uri="{BB962C8B-B14F-4D97-AF65-F5344CB8AC3E}">
@@ -3552,10 +3503,10 @@
       </p:grpSpPr>
       <p:grpSp>
         <p:nvGrpSpPr>
-          <p:cNvPr id="4" name="组合 3">
-            <a:extLst>
-              <a:ext uri="{FF2B5EF4-FFF2-40B4-BE49-F238E27FC236}">
-                <a16:creationId xmlns:a16="http://schemas.microsoft.com/office/drawing/2014/main" id="{3DC1E8AE-AE1B-4BE5-A6D8-6D7A6620729F}"/>
+          <p:cNvPr id="6" name="组合 5">
+            <a:extLst>
+              <a:ext uri="{FF2B5EF4-FFF2-40B4-BE49-F238E27FC236}">
+                <a16:creationId xmlns:a16="http://schemas.microsoft.com/office/drawing/2014/main" id="{A2915486-6A3F-45E1-AA8C-FBD54218709A}"/>
               </a:ext>
             </a:extLst>
           </p:cNvPr>
@@ -3933,6 +3884,103 @@
           <p:cNvPr id="4" name="图片 3">
             <a:extLst>
               <a:ext uri="{FF2B5EF4-FFF2-40B4-BE49-F238E27FC236}">
+                <a16:creationId xmlns:a16="http://schemas.microsoft.com/office/drawing/2014/main" id="{4B319620-8778-478B-BCAA-8981B04E9599}"/>
+              </a:ext>
+            </a:extLst>
+          </p:cNvPr>
+          <p:cNvPicPr>
+            <a:picLocks noChangeAspect="1"/>
+          </p:cNvPicPr>
+          <p:nvPr/>
+        </p:nvPicPr>
+        <p:blipFill>
+          <a:blip r:embed="rId2">
+            <a:extLst>
+              <a:ext uri="{28A0092B-C50C-407E-A947-70E740481C1C}">
+                <a14:useLocalDpi xmlns:a14="http://schemas.microsoft.com/office/drawing/2010/main" val="0"/>
+              </a:ext>
+            </a:extLst>
+          </a:blip>
+          <a:stretch>
+            <a:fillRect/>
+          </a:stretch>
+        </p:blipFill>
+        <p:spPr>
+          <a:xfrm>
+            <a:off x="619126" y="257176"/>
+            <a:ext cx="3867149" cy="3867149"/>
+          </a:xfrm>
+          <a:prstGeom prst="ellipse">
+            <a:avLst/>
+          </a:prstGeom>
+          <a:ln w="190500" cap="rnd">
+            <a:solidFill>
+              <a:srgbClr val="FF3399"/>
+            </a:solidFill>
+            <a:prstDash val="solid"/>
+          </a:ln>
+          <a:effectLst>
+            <a:glow rad="254000">
+              <a:srgbClr val="FF3399">
+                <a:alpha val="45000"/>
+              </a:srgbClr>
+            </a:glow>
+            <a:outerShdw blurRad="203200" dist="38100" dir="2700000" sx="103000" sy="103000" algn="tl" rotWithShape="0">
+              <a:prstClr val="black">
+                <a:alpha val="40000"/>
+              </a:prstClr>
+            </a:outerShdw>
+            <a:softEdge rad="0"/>
+          </a:effectLst>
+          <a:scene3d>
+            <a:camera prst="perspectiveFront" fov="5400000"/>
+            <a:lightRig rig="threePt" dir="t">
+              <a:rot lat="0" lon="0" rev="19200000"/>
+            </a:lightRig>
+          </a:scene3d>
+          <a:sp3d extrusionH="25400">
+            <a:bevelT w="304800" h="152400" prst="hardEdge"/>
+            <a:extrusionClr>
+              <a:srgbClr val="000000"/>
+            </a:extrusionClr>
+          </a:sp3d>
+        </p:spPr>
+      </p:pic>
+    </p:spTree>
+    <p:extLst>
+      <p:ext uri="{BB962C8B-B14F-4D97-AF65-F5344CB8AC3E}">
+        <p14:creationId xmlns:p14="http://schemas.microsoft.com/office/powerpoint/2010/main" val="2513889868"/>
+      </p:ext>
+    </p:extLst>
+  </p:cSld>
+  <p:clrMapOvr>
+    <a:masterClrMapping/>
+  </p:clrMapOvr>
+</p:sld>
+</file>
+
+<file path=ppt/slides/slide4.xml><?xml version="1.0" encoding="utf-8"?>
+<p:sld xmlns:a="http://schemas.openxmlformats.org/drawingml/2006/main" xmlns:r="http://schemas.openxmlformats.org/officeDocument/2006/relationships" xmlns:p="http://schemas.openxmlformats.org/presentationml/2006/main">
+  <p:cSld>
+    <p:spTree>
+      <p:nvGrpSpPr>
+        <p:cNvPr id="1" name=""/>
+        <p:cNvGrpSpPr/>
+        <p:nvPr/>
+      </p:nvGrpSpPr>
+      <p:grpSpPr>
+        <a:xfrm>
+          <a:off x="0" y="0"/>
+          <a:ext cx="0" cy="0"/>
+          <a:chOff x="0" y="0"/>
+          <a:chExt cx="0" cy="0"/>
+        </a:xfrm>
+      </p:grpSpPr>
+      <p:pic>
+        <p:nvPicPr>
+          <p:cNvPr id="4" name="图片 3">
+            <a:extLst>
+              <a:ext uri="{FF2B5EF4-FFF2-40B4-BE49-F238E27FC236}">
                 <a16:creationId xmlns:a16="http://schemas.microsoft.com/office/drawing/2014/main" id="{6401B292-2482-40AF-B5F2-4D6C2D7E5126}"/>
               </a:ext>
             </a:extLst>
@@ -4084,7 +4132,7 @@
 </p:sld>
 </file>
 
-<file path=ppt/slides/slide4.xml><?xml version="1.0" encoding="utf-8"?>
+<file path=ppt/slides/slide5.xml><?xml version="1.0" encoding="utf-8"?>
 <p:sld xmlns:a="http://schemas.openxmlformats.org/drawingml/2006/main" xmlns:r="http://schemas.openxmlformats.org/officeDocument/2006/relationships" xmlns:p="http://schemas.openxmlformats.org/presentationml/2006/main">
   <p:cSld>
     <p:spTree>
@@ -4175,10 +4223,2965 @@
           </a:sp3d>
         </p:spPr>
       </p:pic>
+      <p:sp>
+        <p:nvSpPr>
+          <p:cNvPr id="2" name="矩形 1">
+            <a:extLst>
+              <a:ext uri="{FF2B5EF4-FFF2-40B4-BE49-F238E27FC236}">
+                <a16:creationId xmlns:a16="http://schemas.microsoft.com/office/drawing/2014/main" id="{B963F00C-CAD8-4918-8230-5B5BB7073ECE}"/>
+              </a:ext>
+            </a:extLst>
+          </p:cNvPr>
+          <p:cNvSpPr/>
+          <p:nvPr/>
+        </p:nvSpPr>
+        <p:spPr>
+          <a:xfrm>
+            <a:off x="146981" y="1548622"/>
+            <a:ext cx="5115504" cy="1569660"/>
+          </a:xfrm>
+          <a:prstGeom prst="rect">
+            <a:avLst/>
+          </a:prstGeom>
+          <a:noFill/>
+          <a:ln>
+            <a:noFill/>
+          </a:ln>
+          <a:effectLst>
+            <a:glow rad="63500">
+              <a:schemeClr val="accent1">
+                <a:satMod val="175000"/>
+                <a:alpha val="40000"/>
+              </a:schemeClr>
+            </a:glow>
+            <a:outerShdw blurRad="25400" dist="101600" dir="3420000" algn="t" rotWithShape="0">
+              <a:prstClr val="black">
+                <a:alpha val="63000"/>
+              </a:prstClr>
+            </a:outerShdw>
+          </a:effectLst>
+        </p:spPr>
+        <p:txBody>
+          <a:bodyPr wrap="none" lIns="91440" tIns="45720" rIns="91440" bIns="45720">
+            <a:prstTxWarp prst="textArchUp">
+              <a:avLst/>
+            </a:prstTxWarp>
+            <a:spAutoFit/>
+          </a:bodyPr>
+          <a:lstStyle/>
+          <a:p>
+            <a:pPr algn="ctr"/>
+            <a:r>
+              <a:rPr lang="zh-CN" altLang="en-US" sz="9600" dirty="0">
+                <a:ln w="0"/>
+                <a:solidFill>
+                  <a:srgbClr val="50DC50"/>
+                </a:solidFill>
+                <a:effectLst>
+                  <a:outerShdw blurRad="38100" dist="25400" dir="5400000" algn="ctr" rotWithShape="0">
+                    <a:srgbClr val="6E747A">
+                      <a:alpha val="43000"/>
+                    </a:srgbClr>
+                  </a:outerShdw>
+                </a:effectLst>
+                <a:latin typeface="华文琥珀" panose="02010800040101010101" pitchFamily="2" charset="-122"/>
+                <a:ea typeface="华文琥珀" panose="02010800040101010101" pitchFamily="2" charset="-122"/>
+              </a:rPr>
+              <a:t>围追堵截</a:t>
+            </a:r>
+          </a:p>
+        </p:txBody>
+      </p:sp>
+      <p:sp>
+        <p:nvSpPr>
+          <p:cNvPr id="3" name="矩形 2">
+            <a:extLst>
+              <a:ext uri="{FF2B5EF4-FFF2-40B4-BE49-F238E27FC236}">
+                <a16:creationId xmlns:a16="http://schemas.microsoft.com/office/drawing/2014/main" id="{4275A927-7254-48D3-9AC7-D06FF95B8F6D}"/>
+              </a:ext>
+            </a:extLst>
+          </p:cNvPr>
+          <p:cNvSpPr/>
+          <p:nvPr/>
+        </p:nvSpPr>
+        <p:spPr>
+          <a:xfrm>
+            <a:off x="814100" y="4367510"/>
+            <a:ext cx="5115503" cy="1569660"/>
+          </a:xfrm>
+          <a:prstGeom prst="rect">
+            <a:avLst/>
+          </a:prstGeom>
+          <a:noFill/>
+        </p:spPr>
+        <p:txBody>
+          <a:bodyPr wrap="none" lIns="91440" tIns="45720" rIns="91440" bIns="45720">
+            <a:prstTxWarp prst="textArchUp">
+              <a:avLst/>
+            </a:prstTxWarp>
+            <a:spAutoFit/>
+            <a:scene3d>
+              <a:camera prst="orthographicFront"/>
+              <a:lightRig rig="soft" dir="t">
+                <a:rot lat="0" lon="0" rev="15600000"/>
+              </a:lightRig>
+            </a:scene3d>
+            <a:sp3d extrusionH="57150" prstMaterial="softEdge">
+              <a:bevelT w="25400" h="38100"/>
+            </a:sp3d>
+          </a:bodyPr>
+          <a:lstStyle/>
+          <a:p>
+            <a:pPr algn="ctr"/>
+            <a:r>
+              <a:rPr lang="zh-CN" altLang="en-US" sz="9600" b="1" cap="none" spc="0" dirty="0">
+                <a:ln/>
+                <a:solidFill>
+                  <a:srgbClr val="00FFCC"/>
+                </a:solidFill>
+                <a:effectLst/>
+                <a:latin typeface="华文琥珀" panose="02010800040101010101" pitchFamily="2" charset="-122"/>
+                <a:ea typeface="华文琥珀" panose="02010800040101010101" pitchFamily="2" charset="-122"/>
+              </a:rPr>
+              <a:t>围追堵截</a:t>
+            </a:r>
+          </a:p>
+        </p:txBody>
+      </p:sp>
     </p:spTree>
     <p:extLst>
       <p:ext uri="{BB962C8B-B14F-4D97-AF65-F5344CB8AC3E}">
         <p14:creationId xmlns:p14="http://schemas.microsoft.com/office/powerpoint/2010/main" val="4084460228"/>
+      </p:ext>
+    </p:extLst>
+  </p:cSld>
+  <p:clrMapOvr>
+    <a:masterClrMapping/>
+  </p:clrMapOvr>
+</p:sld>
+</file>
+
+<file path=ppt/slides/slide6.xml><?xml version="1.0" encoding="utf-8"?>
+<p:sld xmlns:a="http://schemas.openxmlformats.org/drawingml/2006/main" xmlns:r="http://schemas.openxmlformats.org/officeDocument/2006/relationships" xmlns:p="http://schemas.openxmlformats.org/presentationml/2006/main">
+  <p:cSld>
+    <p:spTree>
+      <p:nvGrpSpPr>
+        <p:cNvPr id="1" name=""/>
+        <p:cNvGrpSpPr/>
+        <p:nvPr/>
+      </p:nvGrpSpPr>
+      <p:grpSpPr>
+        <a:xfrm>
+          <a:off x="0" y="0"/>
+          <a:ext cx="0" cy="0"/>
+          <a:chOff x="0" y="0"/>
+          <a:chExt cx="0" cy="0"/>
+        </a:xfrm>
+      </p:grpSpPr>
+      <p:sp>
+        <p:nvSpPr>
+          <p:cNvPr id="4" name="矩形 3">
+            <a:extLst>
+              <a:ext uri="{FF2B5EF4-FFF2-40B4-BE49-F238E27FC236}">
+                <a16:creationId xmlns:a16="http://schemas.microsoft.com/office/drawing/2014/main" id="{EF553CD9-2EEA-4588-8F91-0A234898DA99}"/>
+              </a:ext>
+            </a:extLst>
+          </p:cNvPr>
+          <p:cNvSpPr/>
+          <p:nvPr/>
+        </p:nvSpPr>
+        <p:spPr>
+          <a:xfrm>
+            <a:off x="6298914" y="644556"/>
+            <a:ext cx="1415772" cy="1569660"/>
+          </a:xfrm>
+          <a:prstGeom prst="rect">
+            <a:avLst/>
+          </a:prstGeom>
+          <a:noFill/>
+          <a:ln>
+            <a:noFill/>
+          </a:ln>
+          <a:effectLst>
+            <a:glow rad="63500">
+              <a:schemeClr val="accent6">
+                <a:lumMod val="60000"/>
+                <a:lumOff val="40000"/>
+                <a:alpha val="40000"/>
+              </a:schemeClr>
+            </a:glow>
+            <a:outerShdw blurRad="50800" dist="38100" dir="2700000" sx="97000" sy="97000" algn="tl" rotWithShape="0">
+              <a:schemeClr val="accent6">
+                <a:lumMod val="75000"/>
+                <a:alpha val="40000"/>
+              </a:schemeClr>
+            </a:outerShdw>
+          </a:effectLst>
+        </p:spPr>
+        <p:txBody>
+          <a:bodyPr wrap="none" lIns="91440" tIns="45720" rIns="91440" bIns="45720">
+            <a:spAutoFit/>
+          </a:bodyPr>
+          <a:lstStyle/>
+          <a:p>
+            <a:pPr algn="ctr"/>
+            <a:r>
+              <a:rPr lang="zh-CN" altLang="en-US" sz="9600" dirty="0">
+                <a:ln w="0"/>
+                <a:solidFill>
+                  <a:srgbClr val="71BE51"/>
+                </a:solidFill>
+                <a:effectLst>
+                  <a:outerShdw blurRad="38100" dist="25400" dir="5400000" algn="ctr" rotWithShape="0">
+                    <a:srgbClr val="6E747A">
+                      <a:alpha val="43000"/>
+                    </a:srgbClr>
+                  </a:outerShdw>
+                </a:effectLst>
+                <a:latin typeface="华文琥珀" panose="02010800040101010101" pitchFamily="2" charset="-122"/>
+                <a:ea typeface="华文琥珀" panose="02010800040101010101" pitchFamily="2" charset="-122"/>
+              </a:rPr>
+              <a:t>围</a:t>
+            </a:r>
+          </a:p>
+        </p:txBody>
+      </p:sp>
+      <p:pic>
+        <p:nvPicPr>
+          <p:cNvPr id="6" name="图片 5">
+            <a:extLst>
+              <a:ext uri="{FF2B5EF4-FFF2-40B4-BE49-F238E27FC236}">
+                <a16:creationId xmlns:a16="http://schemas.microsoft.com/office/drawing/2014/main" id="{33521E1A-2DEB-48BB-8713-51821030EA16}"/>
+              </a:ext>
+            </a:extLst>
+          </p:cNvPr>
+          <p:cNvPicPr>
+            <a:picLocks noChangeAspect="1"/>
+          </p:cNvPicPr>
+          <p:nvPr/>
+        </p:nvPicPr>
+        <p:blipFill rotWithShape="1">
+          <a:blip r:embed="rId2">
+            <a:extLst>
+              <a:ext uri="{28A0092B-C50C-407E-A947-70E740481C1C}">
+                <a14:useLocalDpi xmlns:a14="http://schemas.microsoft.com/office/drawing/2010/main" val="0"/>
+              </a:ext>
+            </a:extLst>
+          </a:blip>
+          <a:srcRect l="17271" t="11519" r="19022" b="24771"/>
+          <a:stretch/>
+        </p:blipFill>
+        <p:spPr>
+          <a:xfrm>
+            <a:off x="7917600" y="3511321"/>
+            <a:ext cx="1821599" cy="1763340"/>
+          </a:xfrm>
+          <a:prstGeom prst="rect">
+            <a:avLst/>
+          </a:prstGeom>
+        </p:spPr>
+      </p:pic>
+      <p:pic>
+        <p:nvPicPr>
+          <p:cNvPr id="10" name="图片 9">
+            <a:extLst>
+              <a:ext uri="{FF2B5EF4-FFF2-40B4-BE49-F238E27FC236}">
+                <a16:creationId xmlns:a16="http://schemas.microsoft.com/office/drawing/2014/main" id="{A901B814-EF76-453E-92ED-7BCBBD4FF04D}"/>
+              </a:ext>
+            </a:extLst>
+          </p:cNvPr>
+          <p:cNvPicPr>
+            <a:picLocks/>
+          </p:cNvPicPr>
+          <p:nvPr/>
+        </p:nvPicPr>
+        <p:blipFill>
+          <a:blip r:embed="rId3">
+            <a:extLst>
+              <a:ext uri="{28A0092B-C50C-407E-A947-70E740481C1C}">
+                <a14:useLocalDpi xmlns:a14="http://schemas.microsoft.com/office/drawing/2010/main" val="0"/>
+              </a:ext>
+            </a:extLst>
+          </a:blip>
+          <a:stretch>
+            <a:fillRect/>
+          </a:stretch>
+        </p:blipFill>
+        <p:spPr>
+          <a:xfrm>
+            <a:off x="8025105" y="356967"/>
+            <a:ext cx="3867149" cy="3714498"/>
+          </a:xfrm>
+          <a:prstGeom prst="ellipse">
+            <a:avLst/>
+          </a:prstGeom>
+          <a:noFill/>
+          <a:ln w="254000" cap="rnd">
+            <a:solidFill>
+              <a:srgbClr val="71BE51"/>
+            </a:solidFill>
+            <a:prstDash val="solid"/>
+          </a:ln>
+          <a:effectLst>
+            <a:glow>
+              <a:schemeClr val="accent6">
+                <a:lumMod val="75000"/>
+                <a:alpha val="51000"/>
+              </a:schemeClr>
+            </a:glow>
+            <a:outerShdw blurRad="279400" dist="38100" dir="2400000" algn="tl" rotWithShape="0">
+              <a:schemeClr val="accent6">
+                <a:lumMod val="75000"/>
+                <a:alpha val="45000"/>
+              </a:schemeClr>
+            </a:outerShdw>
+            <a:softEdge rad="0"/>
+          </a:effectLst>
+          <a:scene3d>
+            <a:camera prst="perspectiveFront" fov="5400000"/>
+            <a:lightRig rig="threePt" dir="t">
+              <a:rot lat="0" lon="0" rev="19200000"/>
+            </a:lightRig>
+          </a:scene3d>
+          <a:sp3d extrusionH="25400">
+            <a:bevelT w="304800" h="152400" prst="hardEdge"/>
+            <a:extrusionClr>
+              <a:srgbClr val="000000"/>
+            </a:extrusionClr>
+          </a:sp3d>
+        </p:spPr>
+      </p:pic>
+      <p:pic>
+        <p:nvPicPr>
+          <p:cNvPr id="12" name="图片 11">
+            <a:extLst>
+              <a:ext uri="{FF2B5EF4-FFF2-40B4-BE49-F238E27FC236}">
+                <a16:creationId xmlns:a16="http://schemas.microsoft.com/office/drawing/2014/main" id="{50FBCD6F-2C6B-47E4-AADE-F4538563835B}"/>
+              </a:ext>
+            </a:extLst>
+          </p:cNvPr>
+          <p:cNvPicPr>
+            <a:picLocks noChangeAspect="1"/>
+          </p:cNvPicPr>
+          <p:nvPr/>
+        </p:nvPicPr>
+        <p:blipFill rotWithShape="1">
+          <a:blip r:embed="rId4">
+            <a:extLst>
+              <a:ext uri="{28A0092B-C50C-407E-A947-70E740481C1C}">
+                <a14:useLocalDpi xmlns:a14="http://schemas.microsoft.com/office/drawing/2010/main" val="0"/>
+              </a:ext>
+            </a:extLst>
+          </a:blip>
+          <a:srcRect l="19075" t="13036" r="18324" b="24363"/>
+          <a:stretch/>
+        </p:blipFill>
+        <p:spPr>
+          <a:xfrm>
+            <a:off x="4933950" y="3256676"/>
+            <a:ext cx="2333625" cy="2236177"/>
+          </a:xfrm>
+          <a:prstGeom prst="rect">
+            <a:avLst/>
+          </a:prstGeom>
+        </p:spPr>
+      </p:pic>
+      <p:pic>
+        <p:nvPicPr>
+          <p:cNvPr id="14" name="图片 13">
+            <a:extLst>
+              <a:ext uri="{FF2B5EF4-FFF2-40B4-BE49-F238E27FC236}">
+                <a16:creationId xmlns:a16="http://schemas.microsoft.com/office/drawing/2014/main" id="{EB398B31-0F53-47BF-B0F5-157B0D2603FA}"/>
+              </a:ext>
+            </a:extLst>
+          </p:cNvPr>
+          <p:cNvPicPr>
+            <a:picLocks noChangeAspect="1"/>
+          </p:cNvPicPr>
+          <p:nvPr/>
+        </p:nvPicPr>
+        <p:blipFill rotWithShape="1">
+          <a:blip r:embed="rId5">
+            <a:extLst>
+              <a:ext uri="{28A0092B-C50C-407E-A947-70E740481C1C}">
+                <a14:useLocalDpi xmlns:a14="http://schemas.microsoft.com/office/drawing/2010/main" val="0"/>
+              </a:ext>
+            </a:extLst>
+          </a:blip>
+          <a:srcRect l="1338" t="983" r="1484" b="1839"/>
+          <a:stretch/>
+        </p:blipFill>
+        <p:spPr>
+          <a:xfrm>
+            <a:off x="428625" y="356967"/>
+            <a:ext cx="4437548" cy="4293433"/>
+          </a:xfrm>
+          <a:prstGeom prst="rect">
+            <a:avLst/>
+          </a:prstGeom>
+        </p:spPr>
+      </p:pic>
+    </p:spTree>
+    <p:extLst>
+      <p:ext uri="{BB962C8B-B14F-4D97-AF65-F5344CB8AC3E}">
+        <p14:creationId xmlns:p14="http://schemas.microsoft.com/office/powerpoint/2010/main" val="3812045285"/>
+      </p:ext>
+    </p:extLst>
+  </p:cSld>
+  <p:clrMapOvr>
+    <a:masterClrMapping/>
+  </p:clrMapOvr>
+</p:sld>
+</file>
+
+<file path=ppt/slides/slide7.xml><?xml version="1.0" encoding="utf-8"?>
+<p:sld xmlns:a="http://schemas.openxmlformats.org/drawingml/2006/main" xmlns:r="http://schemas.openxmlformats.org/officeDocument/2006/relationships" xmlns:p="http://schemas.openxmlformats.org/presentationml/2006/main">
+  <p:cSld>
+    <p:spTree>
+      <p:nvGrpSpPr>
+        <p:cNvPr id="1" name=""/>
+        <p:cNvGrpSpPr/>
+        <p:nvPr/>
+      </p:nvGrpSpPr>
+      <p:grpSpPr>
+        <a:xfrm>
+          <a:off x="0" y="0"/>
+          <a:ext cx="0" cy="0"/>
+          <a:chOff x="0" y="0"/>
+          <a:chExt cx="0" cy="0"/>
+        </a:xfrm>
+      </p:grpSpPr>
+      <p:sp>
+        <p:nvSpPr>
+          <p:cNvPr id="4" name="矩形 3">
+            <a:extLst>
+              <a:ext uri="{FF2B5EF4-FFF2-40B4-BE49-F238E27FC236}">
+                <a16:creationId xmlns:a16="http://schemas.microsoft.com/office/drawing/2014/main" id="{E6F591B7-A8AE-4A99-A4F1-71FF17B672AF}"/>
+              </a:ext>
+            </a:extLst>
+          </p:cNvPr>
+          <p:cNvSpPr/>
+          <p:nvPr/>
+        </p:nvSpPr>
+        <p:spPr>
+          <a:xfrm>
+            <a:off x="4272428" y="2967335"/>
+            <a:ext cx="3647152" cy="923330"/>
+          </a:xfrm>
+          <a:prstGeom prst="rect">
+            <a:avLst/>
+          </a:prstGeom>
+          <a:noFill/>
+        </p:spPr>
+        <p:txBody>
+          <a:bodyPr wrap="none" lIns="91440" tIns="45720" rIns="91440" bIns="45720">
+            <a:spAutoFit/>
+          </a:bodyPr>
+          <a:lstStyle/>
+          <a:p>
+            <a:pPr algn="ctr"/>
+            <a:r>
+              <a:rPr lang="zh-CN" altLang="en-US" sz="5400" b="1" cap="none" spc="0" dirty="0">
+                <a:ln w="0"/>
+                <a:solidFill>
+                  <a:schemeClr val="tx1">
+                    <a:lumMod val="95000"/>
+                    <a:lumOff val="5000"/>
+                  </a:schemeClr>
+                </a:solidFill>
+                <a:effectLst>
+                  <a:outerShdw blurRad="38100" dist="19050" dir="2700000" algn="tl" rotWithShape="0">
+                    <a:schemeClr val="dk1">
+                      <a:alpha val="40000"/>
+                    </a:schemeClr>
+                  </a:outerShdw>
+                </a:effectLst>
+                <a:latin typeface="微软雅黑" panose="020B0503020204020204" pitchFamily="34" charset="-122"/>
+                <a:ea typeface="微软雅黑" panose="020B0503020204020204" pitchFamily="34" charset="-122"/>
+              </a:rPr>
+              <a:t>莉莉专享版</a:t>
+            </a:r>
+          </a:p>
+        </p:txBody>
+      </p:sp>
+      <p:sp>
+        <p:nvSpPr>
+          <p:cNvPr id="5" name="矩形 4">
+            <a:extLst>
+              <a:ext uri="{FF2B5EF4-FFF2-40B4-BE49-F238E27FC236}">
+                <a16:creationId xmlns:a16="http://schemas.microsoft.com/office/drawing/2014/main" id="{941E0FFB-F258-4D7C-BC2F-2B6E778F133C}"/>
+              </a:ext>
+            </a:extLst>
+          </p:cNvPr>
+          <p:cNvSpPr/>
+          <p:nvPr/>
+        </p:nvSpPr>
+        <p:spPr>
+          <a:xfrm>
+            <a:off x="5437832" y="862310"/>
+            <a:ext cx="2954655" cy="1754326"/>
+          </a:xfrm>
+          <a:prstGeom prst="rect">
+            <a:avLst/>
+          </a:prstGeom>
+          <a:noFill/>
+        </p:spPr>
+        <p:txBody>
+          <a:bodyPr wrap="none" lIns="91440" tIns="45720" rIns="91440" bIns="45720">
+            <a:spAutoFit/>
+          </a:bodyPr>
+          <a:lstStyle/>
+          <a:p>
+            <a:pPr algn="ctr"/>
+            <a:r>
+              <a:rPr lang="zh-CN" altLang="en-US" sz="5400" cap="none" spc="0" dirty="0">
+                <a:ln w="0"/>
+                <a:solidFill>
+                  <a:srgbClr val="D9BA89"/>
+                </a:solidFill>
+                <a:effectLst>
+                  <a:outerShdw blurRad="38100" dist="19050" dir="2700000" algn="tl" rotWithShape="0">
+                    <a:schemeClr val="dk1">
+                      <a:alpha val="40000"/>
+                    </a:schemeClr>
+                  </a:outerShdw>
+                </a:effectLst>
+                <a:latin typeface="微软雅黑" panose="020B0503020204020204" pitchFamily="34" charset="-122"/>
+                <a:ea typeface="微软雅黑" panose="020B0503020204020204" pitchFamily="34" charset="-122"/>
+              </a:rPr>
+              <a:t>假装我是</a:t>
+            </a:r>
+            <a:endParaRPr lang="en-US" altLang="zh-CN" sz="5400" cap="none" spc="0" dirty="0">
+              <a:ln w="0"/>
+              <a:solidFill>
+                <a:srgbClr val="D9BA89"/>
+              </a:solidFill>
+              <a:effectLst>
+                <a:outerShdw blurRad="38100" dist="19050" dir="2700000" algn="tl" rotWithShape="0">
+                  <a:schemeClr val="dk1">
+                    <a:alpha val="40000"/>
+                  </a:schemeClr>
+                </a:outerShdw>
+              </a:effectLst>
+              <a:latin typeface="微软雅黑" panose="020B0503020204020204" pitchFamily="34" charset="-122"/>
+              <a:ea typeface="微软雅黑" panose="020B0503020204020204" pitchFamily="34" charset="-122"/>
+            </a:endParaRPr>
+          </a:p>
+          <a:p>
+            <a:pPr algn="ctr"/>
+            <a:r>
+              <a:rPr lang="zh-CN" altLang="en-US" sz="5400" cap="none" spc="0" dirty="0">
+                <a:ln w="0"/>
+                <a:solidFill>
+                  <a:srgbClr val="D9BA89"/>
+                </a:solidFill>
+                <a:effectLst>
+                  <a:outerShdw blurRad="38100" dist="19050" dir="2700000" algn="tl" rotWithShape="0">
+                    <a:schemeClr val="dk1">
+                      <a:alpha val="40000"/>
+                    </a:schemeClr>
+                  </a:outerShdw>
+                </a:effectLst>
+                <a:latin typeface="微软雅黑" panose="020B0503020204020204" pitchFamily="34" charset="-122"/>
+                <a:ea typeface="微软雅黑" panose="020B0503020204020204" pitchFamily="34" charset="-122"/>
+              </a:rPr>
+              <a:t>一个土豆</a:t>
+            </a:r>
+          </a:p>
+        </p:txBody>
+      </p:sp>
+    </p:spTree>
+    <p:extLst>
+      <p:ext uri="{BB962C8B-B14F-4D97-AF65-F5344CB8AC3E}">
+        <p14:creationId xmlns:p14="http://schemas.microsoft.com/office/powerpoint/2010/main" val="4074962286"/>
+      </p:ext>
+    </p:extLst>
+  </p:cSld>
+  <p:clrMapOvr>
+    <a:masterClrMapping/>
+  </p:clrMapOvr>
+</p:sld>
+</file>
+
+<file path=ppt/slides/slide8.xml><?xml version="1.0" encoding="utf-8"?>
+<p:sld xmlns:a="http://schemas.openxmlformats.org/drawingml/2006/main" xmlns:r="http://schemas.openxmlformats.org/officeDocument/2006/relationships" xmlns:p="http://schemas.openxmlformats.org/presentationml/2006/main">
+  <p:cSld>
+    <p:spTree>
+      <p:nvGrpSpPr>
+        <p:cNvPr id="1" name=""/>
+        <p:cNvGrpSpPr/>
+        <p:nvPr/>
+      </p:nvGrpSpPr>
+      <p:grpSpPr>
+        <a:xfrm>
+          <a:off x="0" y="0"/>
+          <a:ext cx="0" cy="0"/>
+          <a:chOff x="0" y="0"/>
+          <a:chExt cx="0" cy="0"/>
+        </a:xfrm>
+      </p:grpSpPr>
+      <p:pic>
+        <p:nvPicPr>
+          <p:cNvPr id="9" name="图片 8">
+            <a:extLst>
+              <a:ext uri="{FF2B5EF4-FFF2-40B4-BE49-F238E27FC236}">
+                <a16:creationId xmlns:a16="http://schemas.microsoft.com/office/drawing/2014/main" id="{F68F5AF8-1EE6-44B3-A38F-64B1D8D071BD}"/>
+              </a:ext>
+            </a:extLst>
+          </p:cNvPr>
+          <p:cNvPicPr>
+            <a:picLocks noChangeAspect="1"/>
+          </p:cNvPicPr>
+          <p:nvPr/>
+        </p:nvPicPr>
+        <p:blipFill>
+          <a:blip r:embed="rId2">
+            <a:extLst>
+              <a:ext uri="{28A0092B-C50C-407E-A947-70E740481C1C}">
+                <a14:useLocalDpi xmlns:a14="http://schemas.microsoft.com/office/drawing/2010/main" val="0"/>
+              </a:ext>
+            </a:extLst>
+          </a:blip>
+          <a:stretch>
+            <a:fillRect/>
+          </a:stretch>
+        </p:blipFill>
+        <p:spPr>
+          <a:xfrm>
+            <a:off x="5038994" y="0"/>
+            <a:ext cx="4623453" cy="6858000"/>
+          </a:xfrm>
+          <a:prstGeom prst="rect">
+            <a:avLst/>
+          </a:prstGeom>
+        </p:spPr>
+      </p:pic>
+      <p:grpSp>
+        <p:nvGrpSpPr>
+          <p:cNvPr id="2" name="组合 1">
+            <a:extLst>
+              <a:ext uri="{FF2B5EF4-FFF2-40B4-BE49-F238E27FC236}">
+                <a16:creationId xmlns:a16="http://schemas.microsoft.com/office/drawing/2014/main" id="{D156FC44-6B91-447C-A262-F6ED9A912856}"/>
+              </a:ext>
+            </a:extLst>
+          </p:cNvPr>
+          <p:cNvGrpSpPr/>
+          <p:nvPr/>
+        </p:nvGrpSpPr>
+        <p:grpSpPr>
+          <a:xfrm>
+            <a:off x="-349579" y="-157218"/>
+            <a:ext cx="4623453" cy="6858000"/>
+            <a:chOff x="-349579" y="-157218"/>
+            <a:chExt cx="4623453" cy="6858000"/>
+          </a:xfrm>
+        </p:grpSpPr>
+        <p:pic>
+          <p:nvPicPr>
+            <p:cNvPr id="13" name="图片 12">
+              <a:extLst>
+                <a:ext uri="{FF2B5EF4-FFF2-40B4-BE49-F238E27FC236}">
+                  <a16:creationId xmlns:a16="http://schemas.microsoft.com/office/drawing/2014/main" id="{D98084CB-BC91-4B6F-AAD4-15A7C970E866}"/>
+                </a:ext>
+              </a:extLst>
+            </p:cNvPr>
+            <p:cNvPicPr>
+              <a:picLocks noChangeAspect="1"/>
+            </p:cNvPicPr>
+            <p:nvPr/>
+          </p:nvPicPr>
+          <p:blipFill>
+            <a:blip r:embed="rId2">
+              <a:extLst>
+                <a:ext uri="{28A0092B-C50C-407E-A947-70E740481C1C}">
+                  <a14:useLocalDpi xmlns:a14="http://schemas.microsoft.com/office/drawing/2010/main" val="0"/>
+                </a:ext>
+              </a:extLst>
+            </a:blip>
+            <a:stretch>
+              <a:fillRect/>
+            </a:stretch>
+          </p:blipFill>
+          <p:spPr>
+            <a:xfrm>
+              <a:off x="-349579" y="-157218"/>
+              <a:ext cx="4623453" cy="6858000"/>
+            </a:xfrm>
+            <a:prstGeom prst="rect">
+              <a:avLst/>
+            </a:prstGeom>
+          </p:spPr>
+        </p:pic>
+        <p:grpSp>
+          <p:nvGrpSpPr>
+            <p:cNvPr id="14" name="组合 13">
+              <a:extLst>
+                <a:ext uri="{FF2B5EF4-FFF2-40B4-BE49-F238E27FC236}">
+                  <a16:creationId xmlns:a16="http://schemas.microsoft.com/office/drawing/2014/main" id="{632773C0-8CE0-48D6-8A13-63C2FE411BEB}"/>
+                </a:ext>
+              </a:extLst>
+            </p:cNvPr>
+            <p:cNvGrpSpPr/>
+            <p:nvPr/>
+          </p:nvGrpSpPr>
+          <p:grpSpPr>
+            <a:xfrm>
+              <a:off x="406340" y="165050"/>
+              <a:ext cx="3438525" cy="6147109"/>
+              <a:chOff x="3711515" y="157218"/>
+              <a:chExt cx="3438525" cy="6147109"/>
+            </a:xfrm>
+          </p:grpSpPr>
+          <p:sp>
+            <p:nvSpPr>
+              <p:cNvPr id="15" name="矩形 14">
+                <a:extLst>
+                  <a:ext uri="{FF2B5EF4-FFF2-40B4-BE49-F238E27FC236}">
+                    <a16:creationId xmlns:a16="http://schemas.microsoft.com/office/drawing/2014/main" id="{0924A7CC-A070-4255-85C9-B29369D646E4}"/>
+                  </a:ext>
+                </a:extLst>
+              </p:cNvPr>
+              <p:cNvSpPr/>
+              <p:nvPr/>
+            </p:nvSpPr>
+            <p:spPr>
+              <a:xfrm>
+                <a:off x="3711515" y="979792"/>
+                <a:ext cx="3438525" cy="5324535"/>
+              </a:xfrm>
+              <a:prstGeom prst="rect">
+                <a:avLst/>
+              </a:prstGeom>
+              <a:noFill/>
+            </p:spPr>
+            <p:txBody>
+              <a:bodyPr wrap="square" lIns="91440" tIns="45720" rIns="91440" bIns="45720">
+                <a:spAutoFit/>
+              </a:bodyPr>
+              <a:lstStyle/>
+              <a:p>
+                <a:r>
+                  <a:rPr lang="zh-CN" altLang="en-US" sz="2000" b="1" dirty="0">
+                    <a:ln w="0"/>
+                    <a:solidFill>
+                      <a:srgbClr val="1E0F00"/>
+                    </a:solidFill>
+                    <a:latin typeface="微软雅黑" panose="020B0503020204020204" pitchFamily="34" charset="-122"/>
+                    <a:ea typeface="微软雅黑" panose="020B0503020204020204" pitchFamily="34" charset="-122"/>
+                  </a:rPr>
+                  <a:t>双方把各自棋子放到底线中央。开局后，轮流移动棋子或放置障碍，先到对方底线为赢家。</a:t>
+                </a:r>
+                <a:endParaRPr lang="en-US" altLang="zh-CN" sz="2000" b="1" dirty="0">
+                  <a:ln w="0"/>
+                  <a:solidFill>
+                    <a:srgbClr val="1E0F00"/>
+                  </a:solidFill>
+                  <a:latin typeface="微软雅黑" panose="020B0503020204020204" pitchFamily="34" charset="-122"/>
+                  <a:ea typeface="微软雅黑" panose="020B0503020204020204" pitchFamily="34" charset="-122"/>
+                </a:endParaRPr>
+              </a:p>
+              <a:p>
+                <a:endParaRPr lang="en-US" altLang="zh-CN" sz="2000" b="1" dirty="0">
+                  <a:ln w="0"/>
+                  <a:solidFill>
+                    <a:srgbClr val="1E0F00"/>
+                  </a:solidFill>
+                  <a:latin typeface="微软雅黑" panose="020B0503020204020204" pitchFamily="34" charset="-122"/>
+                  <a:ea typeface="微软雅黑" panose="020B0503020204020204" pitchFamily="34" charset="-122"/>
+                </a:endParaRPr>
+              </a:p>
+              <a:p>
+                <a:r>
+                  <a:rPr lang="zh-CN" altLang="en-US" sz="2000" b="1" dirty="0">
+                    <a:ln w="0"/>
+                    <a:solidFill>
+                      <a:srgbClr val="1E0F00"/>
+                    </a:solidFill>
+                    <a:latin typeface="微软雅黑" panose="020B0503020204020204" pitchFamily="34" charset="-122"/>
+                    <a:ea typeface="微软雅黑" panose="020B0503020204020204" pitchFamily="34" charset="-122"/>
+                  </a:rPr>
+                  <a:t>棋子可前后左右移动，但不能跨越障碍。碰上对方棋子时，可跨越到该棋子背后的空格，若背后的空格有障碍阻隔，可改放到该棋子两侧的空格上。</a:t>
+                </a:r>
+                <a:endParaRPr lang="en-US" altLang="zh-CN" sz="2000" b="1" dirty="0">
+                  <a:ln w="0"/>
+                  <a:solidFill>
+                    <a:srgbClr val="1E0F00"/>
+                  </a:solidFill>
+                  <a:latin typeface="微软雅黑" panose="020B0503020204020204" pitchFamily="34" charset="-122"/>
+                  <a:ea typeface="微软雅黑" panose="020B0503020204020204" pitchFamily="34" charset="-122"/>
+                </a:endParaRPr>
+              </a:p>
+              <a:p>
+                <a:endParaRPr lang="en-US" altLang="zh-CN" sz="2000" b="1" dirty="0">
+                  <a:ln w="0"/>
+                  <a:solidFill>
+                    <a:srgbClr val="1E0F00"/>
+                  </a:solidFill>
+                  <a:latin typeface="微软雅黑" panose="020B0503020204020204" pitchFamily="34" charset="-122"/>
+                  <a:ea typeface="微软雅黑" panose="020B0503020204020204" pitchFamily="34" charset="-122"/>
+                </a:endParaRPr>
+              </a:p>
+              <a:p>
+                <a:r>
+                  <a:rPr lang="zh-CN" altLang="en-US" sz="2000" b="1" dirty="0">
+                    <a:ln w="0"/>
+                    <a:solidFill>
+                      <a:srgbClr val="1E0F00"/>
+                    </a:solidFill>
+                    <a:latin typeface="微软雅黑" panose="020B0503020204020204" pitchFamily="34" charset="-122"/>
+                    <a:ea typeface="微软雅黑" panose="020B0503020204020204" pitchFamily="34" charset="-122"/>
+                  </a:rPr>
+                  <a:t>双方各有</a:t>
+                </a:r>
+                <a:r>
+                  <a:rPr lang="en-US" altLang="zh-CN" sz="2000" b="1" dirty="0">
+                    <a:ln w="0"/>
+                    <a:solidFill>
+                      <a:srgbClr val="1E0F00"/>
+                    </a:solidFill>
+                    <a:latin typeface="微软雅黑" panose="020B0503020204020204" pitchFamily="34" charset="-122"/>
+                    <a:ea typeface="微软雅黑" panose="020B0503020204020204" pitchFamily="34" charset="-122"/>
+                  </a:rPr>
+                  <a:t>5~15</a:t>
+                </a:r>
+                <a:r>
+                  <a:rPr lang="zh-CN" altLang="en-US" sz="2000" b="1" dirty="0">
+                    <a:ln w="0"/>
+                    <a:solidFill>
+                      <a:srgbClr val="1E0F00"/>
+                    </a:solidFill>
+                    <a:latin typeface="微软雅黑" panose="020B0503020204020204" pitchFamily="34" charset="-122"/>
+                    <a:ea typeface="微软雅黑" panose="020B0503020204020204" pitchFamily="34" charset="-122"/>
+                  </a:rPr>
+                  <a:t>个障碍，放置后分隔两个格子边线。已放的障碍不可移动。放置障碍时，必须留下最少一条路使对方棋子可以移动到底线。</a:t>
+                </a:r>
+              </a:p>
+            </p:txBody>
+          </p:sp>
+          <p:sp>
+            <p:nvSpPr>
+              <p:cNvPr id="16" name="矩形 15">
+                <a:extLst>
+                  <a:ext uri="{FF2B5EF4-FFF2-40B4-BE49-F238E27FC236}">
+                    <a16:creationId xmlns:a16="http://schemas.microsoft.com/office/drawing/2014/main" id="{627CB52B-665A-4D03-B252-4D7E951C968D}"/>
+                  </a:ext>
+                </a:extLst>
+              </p:cNvPr>
+              <p:cNvSpPr/>
+              <p:nvPr/>
+            </p:nvSpPr>
+            <p:spPr>
+              <a:xfrm>
+                <a:off x="4175065" y="157218"/>
+                <a:ext cx="2441694" cy="769441"/>
+              </a:xfrm>
+              <a:prstGeom prst="rect">
+                <a:avLst/>
+              </a:prstGeom>
+              <a:noFill/>
+            </p:spPr>
+            <p:txBody>
+              <a:bodyPr wrap="none" lIns="91440" tIns="45720" rIns="91440" bIns="45720">
+                <a:spAutoFit/>
+              </a:bodyPr>
+              <a:lstStyle/>
+              <a:p>
+                <a:pPr algn="ctr"/>
+                <a:r>
+                  <a:rPr lang="zh-CN" altLang="en-US" sz="4400" b="1" cap="none" spc="0" dirty="0">
+                    <a:ln w="9525">
+                      <a:solidFill>
+                        <a:schemeClr val="bg1"/>
+                      </a:solidFill>
+                      <a:prstDash val="solid"/>
+                    </a:ln>
+                    <a:solidFill>
+                      <a:srgbClr val="1E0F00"/>
+                    </a:solidFill>
+                    <a:effectLst>
+                      <a:outerShdw blurRad="38100" dist="38100" dir="2700000" algn="tl">
+                        <a:srgbClr val="000000">
+                          <a:alpha val="43137"/>
+                        </a:srgbClr>
+                      </a:outerShdw>
+                    </a:effectLst>
+                    <a:latin typeface="微软雅黑" panose="020B0503020204020204" pitchFamily="34" charset="-122"/>
+                    <a:ea typeface="微软雅黑" panose="020B0503020204020204" pitchFamily="34" charset="-122"/>
+                  </a:rPr>
+                  <a:t>游戏帮助</a:t>
+                </a:r>
+              </a:p>
+            </p:txBody>
+          </p:sp>
+        </p:grpSp>
+      </p:grpSp>
+      <p:sp>
+        <p:nvSpPr>
+          <p:cNvPr id="18" name="矩形 17">
+            <a:extLst>
+              <a:ext uri="{FF2B5EF4-FFF2-40B4-BE49-F238E27FC236}">
+                <a16:creationId xmlns:a16="http://schemas.microsoft.com/office/drawing/2014/main" id="{00A96D81-A92D-41DC-A989-294A73FA5249}"/>
+              </a:ext>
+            </a:extLst>
+          </p:cNvPr>
+          <p:cNvSpPr/>
+          <p:nvPr/>
+        </p:nvSpPr>
+        <p:spPr>
+          <a:xfrm>
+            <a:off x="5791200" y="607786"/>
+            <a:ext cx="3427595" cy="4832092"/>
+          </a:xfrm>
+          <a:prstGeom prst="rect">
+            <a:avLst/>
+          </a:prstGeom>
+          <a:noFill/>
+        </p:spPr>
+        <p:txBody>
+          <a:bodyPr wrap="square" lIns="91440" tIns="45720" rIns="91440" bIns="45720">
+            <a:spAutoFit/>
+          </a:bodyPr>
+          <a:lstStyle/>
+          <a:p>
+            <a:r>
+              <a:rPr lang="zh-CN" altLang="en-US" sz="2200" u="sng" dirty="0">
+                <a:ln w="0"/>
+                <a:effectLst>
+                  <a:outerShdw blurRad="38100" dist="38100" dir="2700000" algn="tl">
+                    <a:srgbClr val="000000">
+                      <a:alpha val="43137"/>
+                    </a:srgbClr>
+                  </a:outerShdw>
+                </a:effectLst>
+                <a:latin typeface="华文新魏" panose="02010800040101010101" pitchFamily="2" charset="-122"/>
+                <a:ea typeface="华文新魏" panose="02010800040101010101" pitchFamily="2" charset="-122"/>
+              </a:rPr>
+              <a:t>献给莉莉：</a:t>
+            </a:r>
+            <a:endParaRPr lang="en-US" altLang="zh-CN" sz="2200" u="sng" dirty="0">
+              <a:ln w="0"/>
+              <a:effectLst>
+                <a:outerShdw blurRad="38100" dist="38100" dir="2700000" algn="tl">
+                  <a:srgbClr val="000000">
+                    <a:alpha val="43137"/>
+                  </a:srgbClr>
+                </a:outerShdw>
+              </a:effectLst>
+              <a:latin typeface="华文新魏" panose="02010800040101010101" pitchFamily="2" charset="-122"/>
+              <a:ea typeface="华文新魏" panose="02010800040101010101" pitchFamily="2" charset="-122"/>
+            </a:endParaRPr>
+          </a:p>
+          <a:p>
+            <a:endParaRPr lang="en-US" altLang="zh-CN" sz="2200" u="sng" dirty="0">
+              <a:ln w="0"/>
+              <a:effectLst>
+                <a:outerShdw blurRad="38100" dist="38100" dir="2700000" algn="tl">
+                  <a:srgbClr val="000000">
+                    <a:alpha val="43137"/>
+                  </a:srgbClr>
+                </a:outerShdw>
+              </a:effectLst>
+              <a:latin typeface="华文新魏" panose="02010800040101010101" pitchFamily="2" charset="-122"/>
+              <a:ea typeface="华文新魏" panose="02010800040101010101" pitchFamily="2" charset="-122"/>
+            </a:endParaRPr>
+          </a:p>
+          <a:p>
+            <a:r>
+              <a:rPr lang="zh-CN" altLang="en-US" sz="2200" u="sng" dirty="0">
+                <a:ln w="0"/>
+                <a:effectLst>
+                  <a:outerShdw blurRad="38100" dist="38100" dir="2700000" algn="tl">
+                    <a:srgbClr val="000000">
+                      <a:alpha val="43137"/>
+                    </a:srgbClr>
+                  </a:outerShdw>
+                </a:effectLst>
+                <a:latin typeface="华文新魏" panose="02010800040101010101" pitchFamily="2" charset="-122"/>
+                <a:ea typeface="华文新魏" panose="02010800040101010101" pitchFamily="2" charset="-122"/>
+              </a:rPr>
+              <a:t>这是小土豆亲手设计并制作的一款安卓游戏。我把它送给我的小可爱。</a:t>
+            </a:r>
+            <a:endParaRPr lang="en-US" altLang="zh-CN" sz="2200" u="sng" dirty="0">
+              <a:ln w="0"/>
+              <a:effectLst>
+                <a:outerShdw blurRad="38100" dist="38100" dir="2700000" algn="tl">
+                  <a:srgbClr val="000000">
+                    <a:alpha val="43137"/>
+                  </a:srgbClr>
+                </a:outerShdw>
+              </a:effectLst>
+              <a:latin typeface="华文新魏" panose="02010800040101010101" pitchFamily="2" charset="-122"/>
+              <a:ea typeface="华文新魏" panose="02010800040101010101" pitchFamily="2" charset="-122"/>
+            </a:endParaRPr>
+          </a:p>
+          <a:p>
+            <a:endParaRPr lang="en-US" altLang="zh-CN" sz="2200" u="sng" dirty="0">
+              <a:ln w="0"/>
+              <a:effectLst>
+                <a:outerShdw blurRad="38100" dist="38100" dir="2700000" algn="tl">
+                  <a:srgbClr val="000000">
+                    <a:alpha val="43137"/>
+                  </a:srgbClr>
+                </a:outerShdw>
+              </a:effectLst>
+              <a:latin typeface="华文新魏" panose="02010800040101010101" pitchFamily="2" charset="-122"/>
+              <a:ea typeface="华文新魏" panose="02010800040101010101" pitchFamily="2" charset="-122"/>
+            </a:endParaRPr>
+          </a:p>
+          <a:p>
+            <a:r>
+              <a:rPr lang="zh-CN" altLang="en-US" sz="2200" u="sng" dirty="0">
+                <a:ln w="0"/>
+                <a:effectLst>
+                  <a:outerShdw blurRad="38100" dist="38100" dir="2700000" algn="tl">
+                    <a:srgbClr val="000000">
+                      <a:alpha val="43137"/>
+                    </a:srgbClr>
+                  </a:outerShdw>
+                </a:effectLst>
+                <a:latin typeface="华文新魏" panose="02010800040101010101" pitchFamily="2" charset="-122"/>
+                <a:ea typeface="华文新魏" panose="02010800040101010101" pitchFamily="2" charset="-122"/>
+              </a:rPr>
+              <a:t>我盼着莉莉回来，到时候可以一起玩这个游戏。</a:t>
+            </a:r>
+            <a:endParaRPr lang="en-US" altLang="zh-CN" sz="2200" u="sng" dirty="0">
+              <a:ln w="0"/>
+              <a:effectLst>
+                <a:outerShdw blurRad="38100" dist="38100" dir="2700000" algn="tl">
+                  <a:srgbClr val="000000">
+                    <a:alpha val="43137"/>
+                  </a:srgbClr>
+                </a:outerShdw>
+              </a:effectLst>
+              <a:latin typeface="华文新魏" panose="02010800040101010101" pitchFamily="2" charset="-122"/>
+              <a:ea typeface="华文新魏" panose="02010800040101010101" pitchFamily="2" charset="-122"/>
+            </a:endParaRPr>
+          </a:p>
+          <a:p>
+            <a:endParaRPr lang="zh-CN" altLang="en-US" sz="2200" u="sng" dirty="0">
+              <a:ln w="0"/>
+              <a:effectLst>
+                <a:outerShdw blurRad="38100" dist="38100" dir="2700000" algn="tl">
+                  <a:srgbClr val="000000">
+                    <a:alpha val="43137"/>
+                  </a:srgbClr>
+                </a:outerShdw>
+              </a:effectLst>
+              <a:latin typeface="华文新魏" panose="02010800040101010101" pitchFamily="2" charset="-122"/>
+              <a:ea typeface="华文新魏" panose="02010800040101010101" pitchFamily="2" charset="-122"/>
+            </a:endParaRPr>
+          </a:p>
+          <a:p>
+            <a:r>
+              <a:rPr lang="zh-CN" altLang="en-US" sz="2200" u="sng" dirty="0">
+                <a:ln w="0"/>
+                <a:effectLst>
+                  <a:outerShdw blurRad="38100" dist="38100" dir="2700000" algn="tl">
+                    <a:srgbClr val="000000">
+                      <a:alpha val="43137"/>
+                    </a:srgbClr>
+                  </a:outerShdw>
+                </a:effectLst>
+                <a:latin typeface="华文新魏" panose="02010800040101010101" pitchFamily="2" charset="-122"/>
+                <a:ea typeface="华文新魏" panose="02010800040101010101" pitchFamily="2" charset="-122"/>
+              </a:rPr>
+              <a:t>么么哒，小萌莉</a:t>
+            </a:r>
+            <a:r>
+              <a:rPr lang="en-US" altLang="zh-CN" sz="2200" u="sng" dirty="0">
+                <a:ln w="0"/>
+                <a:effectLst>
+                  <a:outerShdw blurRad="38100" dist="38100" dir="2700000" algn="tl">
+                    <a:srgbClr val="000000">
+                      <a:alpha val="43137"/>
+                    </a:srgbClr>
+                  </a:outerShdw>
+                </a:effectLst>
+                <a:latin typeface="华文新魏" panose="02010800040101010101" pitchFamily="2" charset="-122"/>
+                <a:ea typeface="华文新魏" panose="02010800040101010101" pitchFamily="2" charset="-122"/>
+              </a:rPr>
+              <a:t>~</a:t>
+            </a:r>
+            <a:r>
+              <a:rPr lang="zh-CN" altLang="en-US" sz="2200" u="sng" dirty="0">
+                <a:ln w="0"/>
+                <a:effectLst>
+                  <a:outerShdw blurRad="38100" dist="38100" dir="2700000" algn="tl">
+                    <a:srgbClr val="000000">
+                      <a:alpha val="43137"/>
+                    </a:srgbClr>
+                  </a:outerShdw>
+                </a:effectLst>
+                <a:latin typeface="华文新魏" panose="02010800040101010101" pitchFamily="2" charset="-122"/>
+                <a:ea typeface="华文新魏" panose="02010800040101010101" pitchFamily="2" charset="-122"/>
+              </a:rPr>
+              <a:t>愿我能和你每天分享各种各样的开心事。</a:t>
+            </a:r>
+          </a:p>
+          <a:p>
+            <a:r>
+              <a:rPr lang="en-US" altLang="zh-CN" sz="2200" dirty="0">
+                <a:ln w="0"/>
+                <a:effectLst>
+                  <a:outerShdw blurRad="38100" dist="38100" dir="2700000" algn="tl">
+                    <a:srgbClr val="000000">
+                      <a:alpha val="43137"/>
+                    </a:srgbClr>
+                  </a:outerShdw>
+                </a:effectLst>
+                <a:latin typeface="华文新魏" panose="02010800040101010101" pitchFamily="2" charset="-122"/>
+                <a:ea typeface="华文新魏" panose="02010800040101010101" pitchFamily="2" charset="-122"/>
+              </a:rPr>
+              <a:t>                             </a:t>
+            </a:r>
+            <a:r>
+              <a:rPr lang="en-US" altLang="zh-CN" sz="2200" u="sng" dirty="0">
+                <a:ln w="0"/>
+                <a:effectLst>
+                  <a:outerShdw blurRad="38100" dist="38100" dir="2700000" algn="tl">
+                    <a:srgbClr val="000000">
+                      <a:alpha val="43137"/>
+                    </a:srgbClr>
+                  </a:outerShdw>
+                </a:effectLst>
+                <a:latin typeface="华文新魏" panose="02010800040101010101" pitchFamily="2" charset="-122"/>
+                <a:ea typeface="华文新魏" panose="02010800040101010101" pitchFamily="2" charset="-122"/>
+              </a:rPr>
+              <a:t>2018.9.9</a:t>
+            </a:r>
+          </a:p>
+          <a:p>
+            <a:r>
+              <a:rPr lang="zh-CN" altLang="en-US" sz="2200" dirty="0">
+                <a:ln w="0"/>
+                <a:effectLst>
+                  <a:outerShdw blurRad="38100" dist="38100" dir="2700000" algn="tl">
+                    <a:srgbClr val="000000">
+                      <a:alpha val="43137"/>
+                    </a:srgbClr>
+                  </a:outerShdw>
+                </a:effectLst>
+                <a:latin typeface="华文新魏" panose="02010800040101010101" pitchFamily="2" charset="-122"/>
+                <a:ea typeface="华文新魏" panose="02010800040101010101" pitchFamily="2" charset="-122"/>
+              </a:rPr>
+              <a:t>                 </a:t>
+            </a:r>
+            <a:r>
+              <a:rPr lang="en-US" altLang="zh-CN" sz="2200" u="sng" dirty="0">
+                <a:ln w="0"/>
+                <a:effectLst>
+                  <a:outerShdw blurRad="38100" dist="38100" dir="2700000" algn="tl">
+                    <a:srgbClr val="000000">
+                      <a:alpha val="43137"/>
+                    </a:srgbClr>
+                  </a:outerShdw>
+                </a:effectLst>
+                <a:latin typeface="华文新魏" panose="02010800040101010101" pitchFamily="2" charset="-122"/>
+                <a:ea typeface="华文新魏" panose="02010800040101010101" pitchFamily="2" charset="-122"/>
+              </a:rPr>
+              <a:t>——</a:t>
+            </a:r>
+            <a:r>
+              <a:rPr lang="zh-CN" altLang="en-US" sz="2200" u="sng" dirty="0">
+                <a:ln w="0"/>
+                <a:effectLst>
+                  <a:outerShdw blurRad="38100" dist="38100" dir="2700000" algn="tl">
+                    <a:srgbClr val="000000">
+                      <a:alpha val="43137"/>
+                    </a:srgbClr>
+                  </a:outerShdw>
+                </a:effectLst>
+                <a:latin typeface="华文新魏" panose="02010800040101010101" pitchFamily="2" charset="-122"/>
+                <a:ea typeface="华文新魏" panose="02010800040101010101" pitchFamily="2" charset="-122"/>
+              </a:rPr>
+              <a:t>你的小土豆 </a:t>
+            </a:r>
+            <a:endParaRPr lang="zh-CN" altLang="en-US" sz="2200" u="sng" cap="none" spc="0" dirty="0">
+              <a:ln w="0"/>
+              <a:solidFill>
+                <a:schemeClr val="tx1"/>
+              </a:solidFill>
+              <a:effectLst>
+                <a:outerShdw blurRad="38100" dist="38100" dir="2700000" algn="tl">
+                  <a:srgbClr val="000000">
+                    <a:alpha val="43137"/>
+                  </a:srgbClr>
+                </a:outerShdw>
+              </a:effectLst>
+              <a:latin typeface="华文新魏" panose="02010800040101010101" pitchFamily="2" charset="-122"/>
+              <a:ea typeface="华文新魏" panose="02010800040101010101" pitchFamily="2" charset="-122"/>
+            </a:endParaRPr>
+          </a:p>
+        </p:txBody>
+      </p:sp>
+    </p:spTree>
+    <p:extLst>
+      <p:ext uri="{BB962C8B-B14F-4D97-AF65-F5344CB8AC3E}">
+        <p14:creationId xmlns:p14="http://schemas.microsoft.com/office/powerpoint/2010/main" val="1574751543"/>
+      </p:ext>
+    </p:extLst>
+  </p:cSld>
+  <p:clrMapOvr>
+    <a:masterClrMapping/>
+  </p:clrMapOvr>
+</p:sld>
+</file>
+
+<file path=ppt/slides/slide9.xml><?xml version="1.0" encoding="utf-8"?>
+<p:sld xmlns:a="http://schemas.openxmlformats.org/drawingml/2006/main" xmlns:r="http://schemas.openxmlformats.org/officeDocument/2006/relationships" xmlns:p="http://schemas.openxmlformats.org/presentationml/2006/main">
+  <p:cSld>
+    <p:spTree>
+      <p:nvGrpSpPr>
+        <p:cNvPr id="1" name=""/>
+        <p:cNvGrpSpPr/>
+        <p:nvPr/>
+      </p:nvGrpSpPr>
+      <p:grpSpPr>
+        <a:xfrm>
+          <a:off x="0" y="0"/>
+          <a:ext cx="0" cy="0"/>
+          <a:chOff x="0" y="0"/>
+          <a:chExt cx="0" cy="0"/>
+        </a:xfrm>
+      </p:grpSpPr>
+      <p:grpSp>
+        <p:nvGrpSpPr>
+          <p:cNvPr id="5" name="组合 4">
+            <a:extLst>
+              <a:ext uri="{FF2B5EF4-FFF2-40B4-BE49-F238E27FC236}">
+                <a16:creationId xmlns:a16="http://schemas.microsoft.com/office/drawing/2014/main" id="{A0974116-9B0F-46DB-AC2E-317328305434}"/>
+              </a:ext>
+            </a:extLst>
+          </p:cNvPr>
+          <p:cNvGrpSpPr/>
+          <p:nvPr/>
+        </p:nvGrpSpPr>
+        <p:grpSpPr>
+          <a:xfrm>
+            <a:off x="552719" y="0"/>
+            <a:ext cx="4623453" cy="6858000"/>
+            <a:chOff x="552719" y="0"/>
+            <a:chExt cx="4623453" cy="6858000"/>
+          </a:xfrm>
+        </p:grpSpPr>
+        <p:grpSp>
+          <p:nvGrpSpPr>
+            <p:cNvPr id="2" name="组合 1">
+              <a:extLst>
+                <a:ext uri="{FF2B5EF4-FFF2-40B4-BE49-F238E27FC236}">
+                  <a16:creationId xmlns:a16="http://schemas.microsoft.com/office/drawing/2014/main" id="{1BAB9679-4182-47C4-8E98-36E51305AC7C}"/>
+                </a:ext>
+              </a:extLst>
+            </p:cNvPr>
+            <p:cNvGrpSpPr/>
+            <p:nvPr/>
+          </p:nvGrpSpPr>
+          <p:grpSpPr>
+            <a:xfrm>
+              <a:off x="552719" y="0"/>
+              <a:ext cx="4623453" cy="6858000"/>
+              <a:chOff x="4362719" y="0"/>
+              <a:chExt cx="4623453" cy="6858000"/>
+            </a:xfrm>
+          </p:grpSpPr>
+          <p:pic>
+            <p:nvPicPr>
+              <p:cNvPr id="9" name="图片 8">
+                <a:extLst>
+                  <a:ext uri="{FF2B5EF4-FFF2-40B4-BE49-F238E27FC236}">
+                    <a16:creationId xmlns:a16="http://schemas.microsoft.com/office/drawing/2014/main" id="{F68F5AF8-1EE6-44B3-A38F-64B1D8D071BD}"/>
+                  </a:ext>
+                </a:extLst>
+              </p:cNvPr>
+              <p:cNvPicPr>
+                <a:picLocks noChangeAspect="1"/>
+              </p:cNvPicPr>
+              <p:nvPr/>
+            </p:nvPicPr>
+            <p:blipFill>
+              <a:blip r:embed="rId2">
+                <a:extLst>
+                  <a:ext uri="{28A0092B-C50C-407E-A947-70E740481C1C}">
+                    <a14:useLocalDpi xmlns:a14="http://schemas.microsoft.com/office/drawing/2010/main" val="0"/>
+                  </a:ext>
+                </a:extLst>
+              </a:blip>
+              <a:stretch>
+                <a:fillRect/>
+              </a:stretch>
+            </p:blipFill>
+            <p:spPr>
+              <a:xfrm>
+                <a:off x="4362719" y="0"/>
+                <a:ext cx="4623453" cy="6858000"/>
+              </a:xfrm>
+              <a:prstGeom prst="rect">
+                <a:avLst/>
+              </a:prstGeom>
+            </p:spPr>
+          </p:pic>
+          <p:sp>
+            <p:nvSpPr>
+              <p:cNvPr id="18" name="矩形 17">
+                <a:extLst>
+                  <a:ext uri="{FF2B5EF4-FFF2-40B4-BE49-F238E27FC236}">
+                    <a16:creationId xmlns:a16="http://schemas.microsoft.com/office/drawing/2014/main" id="{00A96D81-A92D-41DC-A989-294A73FA5249}"/>
+                  </a:ext>
+                </a:extLst>
+              </p:cNvPr>
+              <p:cNvSpPr/>
+              <p:nvPr/>
+            </p:nvSpPr>
+            <p:spPr>
+              <a:xfrm>
+                <a:off x="5114925" y="369661"/>
+                <a:ext cx="3427595" cy="4939814"/>
+              </a:xfrm>
+              <a:prstGeom prst="rect">
+                <a:avLst/>
+              </a:prstGeom>
+              <a:noFill/>
+            </p:spPr>
+            <p:txBody>
+              <a:bodyPr wrap="square" lIns="91440" tIns="45720" rIns="91440" bIns="45720">
+                <a:spAutoFit/>
+              </a:bodyPr>
+              <a:lstStyle/>
+              <a:p>
+                <a:pPr marL="0" marR="0" lvl="0" indent="0" algn="l" defTabSz="914400" rtl="0" eaLnBrk="1" fontAlgn="auto" latinLnBrk="0" hangingPunct="1">
+                  <a:lnSpc>
+                    <a:spcPct val="100000"/>
+                  </a:lnSpc>
+                  <a:spcBef>
+                    <a:spcPts val="0"/>
+                  </a:spcBef>
+                  <a:spcAft>
+                    <a:spcPts val="0"/>
+                  </a:spcAft>
+                  <a:buClrTx/>
+                  <a:buSzTx/>
+                  <a:buFontTx/>
+                  <a:buNone/>
+                  <a:tabLst/>
+                  <a:defRPr/>
+                </a:pPr>
+                <a:r>
+                  <a:rPr kumimoji="0" lang="zh-CN" altLang="en-US" sz="2100" b="0" i="0" u="sng" strike="noStrike" kern="1200" cap="none" spc="0" normalizeH="0" baseline="0" noProof="0" dirty="0">
+                    <a:ln w="0"/>
+                    <a:solidFill>
+                      <a:prstClr val="black"/>
+                    </a:solidFill>
+                    <a:effectLst>
+                      <a:outerShdw blurRad="38100" dist="38100" dir="2700000" algn="tl">
+                        <a:srgbClr val="000000">
+                          <a:alpha val="43137"/>
+                        </a:srgbClr>
+                      </a:outerShdw>
+                    </a:effectLst>
+                    <a:uLnTx/>
+                    <a:uFillTx/>
+                    <a:latin typeface="华文新魏" panose="02010800040101010101" pitchFamily="2" charset="-122"/>
+                    <a:ea typeface="华文新魏" panose="02010800040101010101" pitchFamily="2" charset="-122"/>
+                    <a:cs typeface="+mn-cs"/>
+                  </a:rPr>
+                  <a:t>献给莉莉：</a:t>
+                </a:r>
+                <a:endParaRPr kumimoji="0" lang="en-US" altLang="zh-CN" sz="2100" b="0" i="0" u="sng" strike="noStrike" kern="1200" cap="none" spc="0" normalizeH="0" baseline="0" noProof="0" dirty="0">
+                  <a:ln w="0"/>
+                  <a:solidFill>
+                    <a:prstClr val="black"/>
+                  </a:solidFill>
+                  <a:effectLst>
+                    <a:outerShdw blurRad="38100" dist="38100" dir="2700000" algn="tl">
+                      <a:srgbClr val="000000">
+                        <a:alpha val="43137"/>
+                      </a:srgbClr>
+                    </a:outerShdw>
+                  </a:effectLst>
+                  <a:uLnTx/>
+                  <a:uFillTx/>
+                  <a:latin typeface="华文新魏" panose="02010800040101010101" pitchFamily="2" charset="-122"/>
+                  <a:ea typeface="华文新魏" panose="02010800040101010101" pitchFamily="2" charset="-122"/>
+                  <a:cs typeface="+mn-cs"/>
+                </a:endParaRPr>
+              </a:p>
+              <a:p>
+                <a:pPr marL="0" marR="0" lvl="0" indent="0" algn="l" defTabSz="914400" rtl="0" eaLnBrk="1" fontAlgn="auto" latinLnBrk="0" hangingPunct="1">
+                  <a:lnSpc>
+                    <a:spcPct val="100000"/>
+                  </a:lnSpc>
+                  <a:spcBef>
+                    <a:spcPts val="0"/>
+                  </a:spcBef>
+                  <a:spcAft>
+                    <a:spcPts val="0"/>
+                  </a:spcAft>
+                  <a:buClrTx/>
+                  <a:buSzTx/>
+                  <a:buFontTx/>
+                  <a:buNone/>
+                  <a:tabLst/>
+                  <a:defRPr/>
+                </a:pPr>
+                <a:endParaRPr kumimoji="0" lang="en-US" altLang="zh-CN" sz="2100" b="0" i="0" u="sng" strike="noStrike" kern="1200" cap="none" spc="0" normalizeH="0" baseline="0" noProof="0" dirty="0">
+                  <a:ln w="0"/>
+                  <a:solidFill>
+                    <a:prstClr val="black"/>
+                  </a:solidFill>
+                  <a:effectLst>
+                    <a:outerShdw blurRad="38100" dist="38100" dir="2700000" algn="tl">
+                      <a:srgbClr val="000000">
+                        <a:alpha val="43137"/>
+                      </a:srgbClr>
+                    </a:outerShdw>
+                  </a:effectLst>
+                  <a:uLnTx/>
+                  <a:uFillTx/>
+                  <a:latin typeface="华文新魏" panose="02010800040101010101" pitchFamily="2" charset="-122"/>
+                  <a:ea typeface="华文新魏" panose="02010800040101010101" pitchFamily="2" charset="-122"/>
+                  <a:cs typeface="+mn-cs"/>
+                </a:endParaRPr>
+              </a:p>
+              <a:p>
+                <a:pPr marL="0" marR="0" lvl="0" indent="0" algn="l" defTabSz="914400" rtl="0" eaLnBrk="1" fontAlgn="auto" latinLnBrk="0" hangingPunct="1">
+                  <a:lnSpc>
+                    <a:spcPct val="100000"/>
+                  </a:lnSpc>
+                  <a:spcBef>
+                    <a:spcPts val="0"/>
+                  </a:spcBef>
+                  <a:spcAft>
+                    <a:spcPts val="0"/>
+                  </a:spcAft>
+                  <a:buClrTx/>
+                  <a:buSzTx/>
+                  <a:buFontTx/>
+                  <a:buNone/>
+                  <a:tabLst/>
+                  <a:defRPr/>
+                </a:pPr>
+                <a:r>
+                  <a:rPr kumimoji="0" lang="zh-CN" altLang="en-US" sz="2100" b="0" i="0" u="sng" strike="noStrike" kern="1200" cap="none" spc="0" normalizeH="0" baseline="0" noProof="0" dirty="0">
+                    <a:ln w="0"/>
+                    <a:solidFill>
+                      <a:prstClr val="black"/>
+                    </a:solidFill>
+                    <a:effectLst>
+                      <a:outerShdw blurRad="38100" dist="38100" dir="2700000" algn="tl">
+                        <a:srgbClr val="000000">
+                          <a:alpha val="43137"/>
+                        </a:srgbClr>
+                      </a:outerShdw>
+                    </a:effectLst>
+                    <a:uLnTx/>
+                    <a:uFillTx/>
+                    <a:latin typeface="华文新魏" panose="02010800040101010101" pitchFamily="2" charset="-122"/>
+                    <a:ea typeface="华文新魏" panose="02010800040101010101" pitchFamily="2" charset="-122"/>
+                    <a:cs typeface="+mn-cs"/>
+                  </a:rPr>
+                  <a:t>这是小土豆亲手设计并制作的一款安卓游戏。我把它送给我的小可爱。</a:t>
+                </a:r>
+                <a:endParaRPr kumimoji="0" lang="en-US" altLang="zh-CN" sz="2100" b="0" i="0" u="sng" strike="noStrike" kern="1200" cap="none" spc="0" normalizeH="0" baseline="0" noProof="0" dirty="0">
+                  <a:ln w="0"/>
+                  <a:solidFill>
+                    <a:prstClr val="black"/>
+                  </a:solidFill>
+                  <a:effectLst>
+                    <a:outerShdw blurRad="38100" dist="38100" dir="2700000" algn="tl">
+                      <a:srgbClr val="000000">
+                        <a:alpha val="43137"/>
+                      </a:srgbClr>
+                    </a:outerShdw>
+                  </a:effectLst>
+                  <a:uLnTx/>
+                  <a:uFillTx/>
+                  <a:latin typeface="华文新魏" panose="02010800040101010101" pitchFamily="2" charset="-122"/>
+                  <a:ea typeface="华文新魏" panose="02010800040101010101" pitchFamily="2" charset="-122"/>
+                  <a:cs typeface="+mn-cs"/>
+                </a:endParaRPr>
+              </a:p>
+              <a:p>
+                <a:pPr marL="0" marR="0" lvl="0" indent="0" algn="l" defTabSz="914400" rtl="0" eaLnBrk="1" fontAlgn="auto" latinLnBrk="0" hangingPunct="1">
+                  <a:lnSpc>
+                    <a:spcPct val="100000"/>
+                  </a:lnSpc>
+                  <a:spcBef>
+                    <a:spcPts val="0"/>
+                  </a:spcBef>
+                  <a:spcAft>
+                    <a:spcPts val="0"/>
+                  </a:spcAft>
+                  <a:buClrTx/>
+                  <a:buSzTx/>
+                  <a:buFontTx/>
+                  <a:buNone/>
+                  <a:tabLst/>
+                  <a:defRPr/>
+                </a:pPr>
+                <a:endParaRPr kumimoji="0" lang="en-US" altLang="zh-CN" sz="2100" b="0" i="0" u="sng" strike="noStrike" kern="1200" cap="none" spc="0" normalizeH="0" baseline="0" noProof="0" dirty="0">
+                  <a:ln w="0"/>
+                  <a:solidFill>
+                    <a:prstClr val="black"/>
+                  </a:solidFill>
+                  <a:effectLst>
+                    <a:outerShdw blurRad="38100" dist="38100" dir="2700000" algn="tl">
+                      <a:srgbClr val="000000">
+                        <a:alpha val="43137"/>
+                      </a:srgbClr>
+                    </a:outerShdw>
+                  </a:effectLst>
+                  <a:uLnTx/>
+                  <a:uFillTx/>
+                  <a:latin typeface="华文新魏" panose="02010800040101010101" pitchFamily="2" charset="-122"/>
+                  <a:ea typeface="华文新魏" panose="02010800040101010101" pitchFamily="2" charset="-122"/>
+                  <a:cs typeface="+mn-cs"/>
+                </a:endParaRPr>
+              </a:p>
+              <a:p>
+                <a:pPr marL="0" marR="0" lvl="0" indent="0" algn="l" defTabSz="914400" rtl="0" eaLnBrk="1" fontAlgn="auto" latinLnBrk="0" hangingPunct="1">
+                  <a:lnSpc>
+                    <a:spcPct val="100000"/>
+                  </a:lnSpc>
+                  <a:spcBef>
+                    <a:spcPts val="0"/>
+                  </a:spcBef>
+                  <a:spcAft>
+                    <a:spcPts val="0"/>
+                  </a:spcAft>
+                  <a:buClrTx/>
+                  <a:buSzTx/>
+                  <a:buFontTx/>
+                  <a:buNone/>
+                  <a:tabLst/>
+                  <a:defRPr/>
+                </a:pPr>
+                <a:r>
+                  <a:rPr kumimoji="0" lang="zh-CN" altLang="en-US" sz="2100" b="0" i="0" u="sng" strike="noStrike" kern="1200" cap="none" spc="0" normalizeH="0" baseline="0" noProof="0" dirty="0">
+                    <a:ln w="0"/>
+                    <a:solidFill>
+                      <a:prstClr val="black"/>
+                    </a:solidFill>
+                    <a:effectLst>
+                      <a:outerShdw blurRad="38100" dist="38100" dir="2700000" algn="tl">
+                        <a:srgbClr val="000000">
+                          <a:alpha val="43137"/>
+                        </a:srgbClr>
+                      </a:outerShdw>
+                    </a:effectLst>
+                    <a:uLnTx/>
+                    <a:uFillTx/>
+                    <a:latin typeface="华文新魏" panose="02010800040101010101" pitchFamily="2" charset="-122"/>
+                    <a:ea typeface="华文新魏" panose="02010800040101010101" pitchFamily="2" charset="-122"/>
+                    <a:cs typeface="+mn-cs"/>
+                  </a:rPr>
+                  <a:t>我盼着莉莉回来，到时候可以一起玩这个游戏。</a:t>
+                </a:r>
+                <a:endParaRPr kumimoji="0" lang="en-US" altLang="zh-CN" sz="2100" b="0" i="0" u="sng" strike="noStrike" kern="1200" cap="none" spc="0" normalizeH="0" baseline="0" noProof="0" dirty="0">
+                  <a:ln w="0"/>
+                  <a:solidFill>
+                    <a:prstClr val="black"/>
+                  </a:solidFill>
+                  <a:effectLst>
+                    <a:outerShdw blurRad="38100" dist="38100" dir="2700000" algn="tl">
+                      <a:srgbClr val="000000">
+                        <a:alpha val="43137"/>
+                      </a:srgbClr>
+                    </a:outerShdw>
+                  </a:effectLst>
+                  <a:uLnTx/>
+                  <a:uFillTx/>
+                  <a:latin typeface="华文新魏" panose="02010800040101010101" pitchFamily="2" charset="-122"/>
+                  <a:ea typeface="华文新魏" panose="02010800040101010101" pitchFamily="2" charset="-122"/>
+                  <a:cs typeface="+mn-cs"/>
+                </a:endParaRPr>
+              </a:p>
+              <a:p>
+                <a:pPr marL="0" marR="0" lvl="0" indent="0" algn="l" defTabSz="914400" rtl="0" eaLnBrk="1" fontAlgn="auto" latinLnBrk="0" hangingPunct="1">
+                  <a:lnSpc>
+                    <a:spcPct val="100000"/>
+                  </a:lnSpc>
+                  <a:spcBef>
+                    <a:spcPts val="0"/>
+                  </a:spcBef>
+                  <a:spcAft>
+                    <a:spcPts val="0"/>
+                  </a:spcAft>
+                  <a:buClrTx/>
+                  <a:buSzTx/>
+                  <a:buFontTx/>
+                  <a:buNone/>
+                  <a:tabLst/>
+                  <a:defRPr/>
+                </a:pPr>
+                <a:endParaRPr kumimoji="0" lang="zh-CN" altLang="en-US" sz="2100" b="0" i="0" u="sng" strike="noStrike" kern="1200" cap="none" spc="0" normalizeH="0" baseline="0" noProof="0" dirty="0">
+                  <a:ln w="0"/>
+                  <a:solidFill>
+                    <a:prstClr val="black"/>
+                  </a:solidFill>
+                  <a:effectLst>
+                    <a:outerShdw blurRad="38100" dist="38100" dir="2700000" algn="tl">
+                      <a:srgbClr val="000000">
+                        <a:alpha val="43137"/>
+                      </a:srgbClr>
+                    </a:outerShdw>
+                  </a:effectLst>
+                  <a:uLnTx/>
+                  <a:uFillTx/>
+                  <a:latin typeface="华文新魏" panose="02010800040101010101" pitchFamily="2" charset="-122"/>
+                  <a:ea typeface="华文新魏" panose="02010800040101010101" pitchFamily="2" charset="-122"/>
+                  <a:cs typeface="+mn-cs"/>
+                </a:endParaRPr>
+              </a:p>
+              <a:p>
+                <a:pPr marL="0" marR="0" lvl="0" indent="0" algn="l" defTabSz="914400" rtl="0" eaLnBrk="1" fontAlgn="auto" latinLnBrk="0" hangingPunct="1">
+                  <a:lnSpc>
+                    <a:spcPct val="100000"/>
+                  </a:lnSpc>
+                  <a:spcBef>
+                    <a:spcPts val="0"/>
+                  </a:spcBef>
+                  <a:spcAft>
+                    <a:spcPts val="0"/>
+                  </a:spcAft>
+                  <a:buClrTx/>
+                  <a:buSzTx/>
+                  <a:buFontTx/>
+                  <a:buNone/>
+                  <a:tabLst/>
+                  <a:defRPr/>
+                </a:pPr>
+                <a:r>
+                  <a:rPr kumimoji="0" lang="zh-CN" altLang="en-US" sz="2100" b="0" i="0" u="sng" strike="noStrike" kern="1200" cap="none" spc="0" normalizeH="0" baseline="0" noProof="0" dirty="0">
+                    <a:ln w="0"/>
+                    <a:solidFill>
+                      <a:prstClr val="black"/>
+                    </a:solidFill>
+                    <a:effectLst>
+                      <a:outerShdw blurRad="38100" dist="38100" dir="2700000" algn="tl">
+                        <a:srgbClr val="000000">
+                          <a:alpha val="43137"/>
+                        </a:srgbClr>
+                      </a:outerShdw>
+                    </a:effectLst>
+                    <a:uLnTx/>
+                    <a:uFillTx/>
+                    <a:latin typeface="华文新魏" panose="02010800040101010101" pitchFamily="2" charset="-122"/>
+                    <a:ea typeface="华文新魏" panose="02010800040101010101" pitchFamily="2" charset="-122"/>
+                    <a:cs typeface="+mn-cs"/>
+                  </a:rPr>
+                  <a:t>么么哒，小萌莉</a:t>
+                </a:r>
+                <a:r>
+                  <a:rPr kumimoji="0" lang="en-US" altLang="zh-CN" sz="2100" b="0" i="0" u="sng" strike="noStrike" kern="1200" cap="none" spc="0" normalizeH="0" baseline="0" noProof="0" dirty="0">
+                    <a:ln w="0"/>
+                    <a:solidFill>
+                      <a:prstClr val="black"/>
+                    </a:solidFill>
+                    <a:effectLst>
+                      <a:outerShdw blurRad="38100" dist="38100" dir="2700000" algn="tl">
+                        <a:srgbClr val="000000">
+                          <a:alpha val="43137"/>
+                        </a:srgbClr>
+                      </a:outerShdw>
+                    </a:effectLst>
+                    <a:uLnTx/>
+                    <a:uFillTx/>
+                    <a:latin typeface="华文新魏" panose="02010800040101010101" pitchFamily="2" charset="-122"/>
+                    <a:ea typeface="华文新魏" panose="02010800040101010101" pitchFamily="2" charset="-122"/>
+                    <a:cs typeface="+mn-cs"/>
+                  </a:rPr>
+                  <a:t>~</a:t>
+                </a:r>
+                <a:r>
+                  <a:rPr kumimoji="0" lang="zh-CN" altLang="en-US" sz="2100" b="0" i="0" u="sng" strike="noStrike" kern="1200" cap="none" spc="0" normalizeH="0" baseline="0" noProof="0" dirty="0">
+                    <a:ln w="0"/>
+                    <a:solidFill>
+                      <a:prstClr val="black"/>
+                    </a:solidFill>
+                    <a:effectLst>
+                      <a:outerShdw blurRad="38100" dist="38100" dir="2700000" algn="tl">
+                        <a:srgbClr val="000000">
+                          <a:alpha val="43137"/>
+                        </a:srgbClr>
+                      </a:outerShdw>
+                    </a:effectLst>
+                    <a:uLnTx/>
+                    <a:uFillTx/>
+                    <a:latin typeface="华文新魏" panose="02010800040101010101" pitchFamily="2" charset="-122"/>
+                    <a:ea typeface="华文新魏" panose="02010800040101010101" pitchFamily="2" charset="-122"/>
+                    <a:cs typeface="+mn-cs"/>
+                  </a:rPr>
+                  <a:t>愿我能每天和你分享各种各样的开心事。</a:t>
+                </a:r>
+                <a:endParaRPr kumimoji="0" lang="en-US" altLang="zh-CN" sz="2100" b="0" i="0" u="sng" strike="noStrike" kern="1200" cap="none" spc="0" normalizeH="0" baseline="0" noProof="0" dirty="0">
+                  <a:ln w="0"/>
+                  <a:solidFill>
+                    <a:prstClr val="black"/>
+                  </a:solidFill>
+                  <a:effectLst>
+                    <a:outerShdw blurRad="38100" dist="38100" dir="2700000" algn="tl">
+                      <a:srgbClr val="000000">
+                        <a:alpha val="43137"/>
+                      </a:srgbClr>
+                    </a:outerShdw>
+                  </a:effectLst>
+                  <a:uLnTx/>
+                  <a:uFillTx/>
+                  <a:latin typeface="华文新魏" panose="02010800040101010101" pitchFamily="2" charset="-122"/>
+                  <a:ea typeface="华文新魏" panose="02010800040101010101" pitchFamily="2" charset="-122"/>
+                  <a:cs typeface="+mn-cs"/>
+                </a:endParaRPr>
+              </a:p>
+              <a:p>
+                <a:pPr marL="0" marR="0" lvl="0" indent="0" algn="l" defTabSz="914400" rtl="0" eaLnBrk="1" fontAlgn="auto" latinLnBrk="0" hangingPunct="1">
+                  <a:lnSpc>
+                    <a:spcPct val="100000"/>
+                  </a:lnSpc>
+                  <a:spcBef>
+                    <a:spcPts val="0"/>
+                  </a:spcBef>
+                  <a:spcAft>
+                    <a:spcPts val="0"/>
+                  </a:spcAft>
+                  <a:buClrTx/>
+                  <a:buSzTx/>
+                  <a:buFontTx/>
+                  <a:buNone/>
+                  <a:tabLst/>
+                  <a:defRPr/>
+                </a:pPr>
+                <a:endParaRPr kumimoji="0" lang="zh-CN" altLang="en-US" sz="2100" b="0" i="0" u="sng" strike="noStrike" kern="1200" cap="none" spc="0" normalizeH="0" baseline="0" noProof="0" dirty="0">
+                  <a:ln w="0"/>
+                  <a:solidFill>
+                    <a:prstClr val="black"/>
+                  </a:solidFill>
+                  <a:effectLst>
+                    <a:outerShdw blurRad="38100" dist="38100" dir="2700000" algn="tl">
+                      <a:srgbClr val="000000">
+                        <a:alpha val="43137"/>
+                      </a:srgbClr>
+                    </a:outerShdw>
+                  </a:effectLst>
+                  <a:uLnTx/>
+                  <a:uFillTx/>
+                  <a:latin typeface="华文新魏" panose="02010800040101010101" pitchFamily="2" charset="-122"/>
+                  <a:ea typeface="华文新魏" panose="02010800040101010101" pitchFamily="2" charset="-122"/>
+                  <a:cs typeface="+mn-cs"/>
+                </a:endParaRPr>
+              </a:p>
+              <a:p>
+                <a:pPr marL="0" marR="0" lvl="0" indent="0" algn="l" defTabSz="914400" rtl="0" eaLnBrk="1" fontAlgn="auto" latinLnBrk="0" hangingPunct="1">
+                  <a:lnSpc>
+                    <a:spcPct val="100000"/>
+                  </a:lnSpc>
+                  <a:spcBef>
+                    <a:spcPts val="0"/>
+                  </a:spcBef>
+                  <a:spcAft>
+                    <a:spcPts val="0"/>
+                  </a:spcAft>
+                  <a:buClrTx/>
+                  <a:buSzTx/>
+                  <a:buFontTx/>
+                  <a:buNone/>
+                  <a:tabLst/>
+                  <a:defRPr/>
+                </a:pPr>
+                <a:r>
+                  <a:rPr kumimoji="0" lang="en-US" altLang="zh-CN" sz="2100" b="0" i="0" u="none" strike="noStrike" kern="1200" cap="none" spc="0" normalizeH="0" baseline="0" noProof="0" dirty="0">
+                    <a:ln w="0"/>
+                    <a:solidFill>
+                      <a:prstClr val="black"/>
+                    </a:solidFill>
+                    <a:effectLst>
+                      <a:outerShdw blurRad="38100" dist="38100" dir="2700000" algn="tl">
+                        <a:srgbClr val="000000">
+                          <a:alpha val="43137"/>
+                        </a:srgbClr>
+                      </a:outerShdw>
+                    </a:effectLst>
+                    <a:uLnTx/>
+                    <a:uFillTx/>
+                    <a:latin typeface="华文新魏" panose="02010800040101010101" pitchFamily="2" charset="-122"/>
+                    <a:ea typeface="华文新魏" panose="02010800040101010101" pitchFamily="2" charset="-122"/>
+                    <a:cs typeface="+mn-cs"/>
+                  </a:rPr>
+                  <a:t>                    </a:t>
+                </a:r>
+                <a:r>
+                  <a:rPr kumimoji="0" lang="en-US" altLang="zh-CN" sz="2100" b="0" i="0" u="sng" strike="noStrike" kern="1200" cap="none" spc="0" normalizeH="0" baseline="0" noProof="0" dirty="0">
+                    <a:ln w="0"/>
+                    <a:solidFill>
+                      <a:prstClr val="black"/>
+                    </a:solidFill>
+                    <a:effectLst>
+                      <a:outerShdw blurRad="38100" dist="38100" dir="2700000" algn="tl">
+                        <a:srgbClr val="000000">
+                          <a:alpha val="43137"/>
+                        </a:srgbClr>
+                      </a:outerShdw>
+                    </a:effectLst>
+                    <a:uLnTx/>
+                    <a:uFillTx/>
+                    <a:latin typeface="华文新魏" panose="02010800040101010101" pitchFamily="2" charset="-122"/>
+                    <a:ea typeface="华文新魏" panose="02010800040101010101" pitchFamily="2" charset="-122"/>
+                    <a:cs typeface="+mn-cs"/>
+                  </a:rPr>
+                  <a:t>2018</a:t>
+                </a:r>
+                <a:r>
+                  <a:rPr kumimoji="0" lang="zh-CN" altLang="en-US" sz="2100" b="0" i="0" u="sng" strike="noStrike" kern="1200" cap="none" spc="0" normalizeH="0" baseline="0" noProof="0" dirty="0">
+                    <a:ln w="0"/>
+                    <a:solidFill>
+                      <a:prstClr val="black"/>
+                    </a:solidFill>
+                    <a:effectLst>
+                      <a:outerShdw blurRad="38100" dist="38100" dir="2700000" algn="tl">
+                        <a:srgbClr val="000000">
+                          <a:alpha val="43137"/>
+                        </a:srgbClr>
+                      </a:outerShdw>
+                    </a:effectLst>
+                    <a:uLnTx/>
+                    <a:uFillTx/>
+                    <a:latin typeface="华文新魏" panose="02010800040101010101" pitchFamily="2" charset="-122"/>
+                    <a:ea typeface="华文新魏" panose="02010800040101010101" pitchFamily="2" charset="-122"/>
+                    <a:cs typeface="+mn-cs"/>
+                  </a:rPr>
+                  <a:t>年</a:t>
+                </a:r>
+                <a:r>
+                  <a:rPr kumimoji="0" lang="en-US" altLang="zh-CN" sz="2100" b="0" i="0" u="sng" strike="noStrike" kern="1200" cap="none" spc="0" normalizeH="0" baseline="0" noProof="0" dirty="0">
+                    <a:ln w="0"/>
+                    <a:solidFill>
+                      <a:prstClr val="black"/>
+                    </a:solidFill>
+                    <a:effectLst>
+                      <a:outerShdw blurRad="38100" dist="38100" dir="2700000" algn="tl">
+                        <a:srgbClr val="000000">
+                          <a:alpha val="43137"/>
+                        </a:srgbClr>
+                      </a:outerShdw>
+                    </a:effectLst>
+                    <a:uLnTx/>
+                    <a:uFillTx/>
+                    <a:latin typeface="华文新魏" panose="02010800040101010101" pitchFamily="2" charset="-122"/>
+                    <a:ea typeface="华文新魏" panose="02010800040101010101" pitchFamily="2" charset="-122"/>
+                    <a:cs typeface="+mn-cs"/>
+                  </a:rPr>
+                  <a:t>9</a:t>
+                </a:r>
+                <a:r>
+                  <a:rPr kumimoji="0" lang="zh-CN" altLang="en-US" sz="2100" b="0" i="0" u="sng" strike="noStrike" kern="1200" cap="none" spc="0" normalizeH="0" baseline="0" noProof="0" dirty="0">
+                    <a:ln w="0"/>
+                    <a:solidFill>
+                      <a:prstClr val="black"/>
+                    </a:solidFill>
+                    <a:effectLst>
+                      <a:outerShdw blurRad="38100" dist="38100" dir="2700000" algn="tl">
+                        <a:srgbClr val="000000">
+                          <a:alpha val="43137"/>
+                        </a:srgbClr>
+                      </a:outerShdw>
+                    </a:effectLst>
+                    <a:uLnTx/>
+                    <a:uFillTx/>
+                    <a:latin typeface="华文新魏" panose="02010800040101010101" pitchFamily="2" charset="-122"/>
+                    <a:ea typeface="华文新魏" panose="02010800040101010101" pitchFamily="2" charset="-122"/>
+                    <a:cs typeface="+mn-cs"/>
+                  </a:rPr>
+                  <a:t>月</a:t>
+                </a:r>
+                <a:r>
+                  <a:rPr kumimoji="0" lang="en-US" altLang="zh-CN" sz="2100" b="0" i="0" u="sng" strike="noStrike" kern="1200" cap="none" spc="0" normalizeH="0" baseline="0" noProof="0" dirty="0">
+                    <a:ln w="0"/>
+                    <a:solidFill>
+                      <a:prstClr val="black"/>
+                    </a:solidFill>
+                    <a:effectLst>
+                      <a:outerShdw blurRad="38100" dist="38100" dir="2700000" algn="tl">
+                        <a:srgbClr val="000000">
+                          <a:alpha val="43137"/>
+                        </a:srgbClr>
+                      </a:outerShdw>
+                    </a:effectLst>
+                    <a:uLnTx/>
+                    <a:uFillTx/>
+                    <a:latin typeface="华文新魏" panose="02010800040101010101" pitchFamily="2" charset="-122"/>
+                    <a:ea typeface="华文新魏" panose="02010800040101010101" pitchFamily="2" charset="-122"/>
+                    <a:cs typeface="+mn-cs"/>
+                  </a:rPr>
+                  <a:t>9</a:t>
+                </a:r>
+                <a:r>
+                  <a:rPr kumimoji="0" lang="zh-CN" altLang="en-US" sz="2100" b="0" i="0" u="sng" strike="noStrike" kern="1200" cap="none" spc="0" normalizeH="0" baseline="0" noProof="0" dirty="0">
+                    <a:ln w="0"/>
+                    <a:solidFill>
+                      <a:prstClr val="black"/>
+                    </a:solidFill>
+                    <a:effectLst>
+                      <a:outerShdw blurRad="38100" dist="38100" dir="2700000" algn="tl">
+                        <a:srgbClr val="000000">
+                          <a:alpha val="43137"/>
+                        </a:srgbClr>
+                      </a:outerShdw>
+                    </a:effectLst>
+                    <a:uLnTx/>
+                    <a:uFillTx/>
+                    <a:latin typeface="华文新魏" panose="02010800040101010101" pitchFamily="2" charset="-122"/>
+                    <a:ea typeface="华文新魏" panose="02010800040101010101" pitchFamily="2" charset="-122"/>
+                    <a:cs typeface="+mn-cs"/>
+                  </a:rPr>
+                  <a:t>日</a:t>
+                </a:r>
+                <a:endParaRPr kumimoji="0" lang="en-US" altLang="zh-CN" sz="2100" b="0" i="0" u="sng" strike="noStrike" kern="1200" cap="none" spc="0" normalizeH="0" baseline="0" noProof="0" dirty="0">
+                  <a:ln w="0"/>
+                  <a:solidFill>
+                    <a:prstClr val="black"/>
+                  </a:solidFill>
+                  <a:effectLst>
+                    <a:outerShdw blurRad="38100" dist="38100" dir="2700000" algn="tl">
+                      <a:srgbClr val="000000">
+                        <a:alpha val="43137"/>
+                      </a:srgbClr>
+                    </a:outerShdw>
+                  </a:effectLst>
+                  <a:uLnTx/>
+                  <a:uFillTx/>
+                  <a:latin typeface="华文新魏" panose="02010800040101010101" pitchFamily="2" charset="-122"/>
+                  <a:ea typeface="华文新魏" panose="02010800040101010101" pitchFamily="2" charset="-122"/>
+                  <a:cs typeface="+mn-cs"/>
+                </a:endParaRPr>
+              </a:p>
+              <a:p>
+                <a:pPr marL="0" marR="0" lvl="0" indent="0" algn="l" defTabSz="914400" rtl="0" eaLnBrk="1" fontAlgn="auto" latinLnBrk="0" hangingPunct="1">
+                  <a:lnSpc>
+                    <a:spcPct val="100000"/>
+                  </a:lnSpc>
+                  <a:spcBef>
+                    <a:spcPts val="0"/>
+                  </a:spcBef>
+                  <a:spcAft>
+                    <a:spcPts val="0"/>
+                  </a:spcAft>
+                  <a:buClrTx/>
+                  <a:buSzTx/>
+                  <a:buFontTx/>
+                  <a:buNone/>
+                  <a:tabLst/>
+                  <a:defRPr/>
+                </a:pPr>
+                <a:r>
+                  <a:rPr kumimoji="0" lang="zh-CN" altLang="en-US" sz="2100" b="0" i="0" u="none" strike="noStrike" kern="1200" cap="none" spc="0" normalizeH="0" baseline="0" noProof="0" dirty="0">
+                    <a:ln w="0"/>
+                    <a:solidFill>
+                      <a:prstClr val="black"/>
+                    </a:solidFill>
+                    <a:effectLst>
+                      <a:outerShdw blurRad="38100" dist="38100" dir="2700000" algn="tl">
+                        <a:srgbClr val="000000">
+                          <a:alpha val="43137"/>
+                        </a:srgbClr>
+                      </a:outerShdw>
+                    </a:effectLst>
+                    <a:uLnTx/>
+                    <a:uFillTx/>
+                    <a:latin typeface="华文新魏" panose="02010800040101010101" pitchFamily="2" charset="-122"/>
+                    <a:ea typeface="华文新魏" panose="02010800040101010101" pitchFamily="2" charset="-122"/>
+                    <a:cs typeface="+mn-cs"/>
+                  </a:rPr>
+                  <a:t>                 </a:t>
+                </a:r>
+                <a:r>
+                  <a:rPr kumimoji="0" lang="en-US" altLang="zh-CN" sz="2100" b="0" i="0" u="sng" strike="noStrike" kern="1200" cap="none" spc="0" normalizeH="0" baseline="0" noProof="0" dirty="0">
+                    <a:ln w="0"/>
+                    <a:solidFill>
+                      <a:prstClr val="black"/>
+                    </a:solidFill>
+                    <a:effectLst>
+                      <a:outerShdw blurRad="38100" dist="38100" dir="2700000" algn="tl">
+                        <a:srgbClr val="000000">
+                          <a:alpha val="43137"/>
+                        </a:srgbClr>
+                      </a:outerShdw>
+                    </a:effectLst>
+                    <a:uLnTx/>
+                    <a:uFillTx/>
+                    <a:latin typeface="华文新魏" panose="02010800040101010101" pitchFamily="2" charset="-122"/>
+                    <a:ea typeface="华文新魏" panose="02010800040101010101" pitchFamily="2" charset="-122"/>
+                    <a:cs typeface="+mn-cs"/>
+                  </a:rPr>
+                  <a:t>——</a:t>
+                </a:r>
+                <a:r>
+                  <a:rPr kumimoji="0" lang="zh-CN" altLang="en-US" sz="2100" b="0" i="0" u="sng" strike="noStrike" kern="1200" cap="none" spc="0" normalizeH="0" baseline="0" noProof="0" dirty="0">
+                    <a:ln w="0"/>
+                    <a:solidFill>
+                      <a:prstClr val="black"/>
+                    </a:solidFill>
+                    <a:effectLst>
+                      <a:outerShdw blurRad="38100" dist="38100" dir="2700000" algn="tl">
+                        <a:srgbClr val="000000">
+                          <a:alpha val="43137"/>
+                        </a:srgbClr>
+                      </a:outerShdw>
+                    </a:effectLst>
+                    <a:uLnTx/>
+                    <a:uFillTx/>
+                    <a:latin typeface="华文新魏" panose="02010800040101010101" pitchFamily="2" charset="-122"/>
+                    <a:ea typeface="华文新魏" panose="02010800040101010101" pitchFamily="2" charset="-122"/>
+                    <a:cs typeface="+mn-cs"/>
+                  </a:rPr>
+                  <a:t>你的小土豆 </a:t>
+                </a:r>
+              </a:p>
+            </p:txBody>
+          </p:sp>
+        </p:grpSp>
+        <p:pic>
+          <p:nvPicPr>
+            <p:cNvPr id="4" name="图片 3">
+              <a:extLst>
+                <a:ext uri="{FF2B5EF4-FFF2-40B4-BE49-F238E27FC236}">
+                  <a16:creationId xmlns:a16="http://schemas.microsoft.com/office/drawing/2014/main" id="{4F8BD2A8-9288-4A5C-86A1-A3DC42CDBD60}"/>
+                </a:ext>
+              </a:extLst>
+            </p:cNvPr>
+            <p:cNvPicPr>
+              <a:picLocks noChangeAspect="1"/>
+            </p:cNvPicPr>
+            <p:nvPr/>
+          </p:nvPicPr>
+          <p:blipFill>
+            <a:blip r:embed="rId3">
+              <a:extLst>
+                <a:ext uri="{28A0092B-C50C-407E-A947-70E740481C1C}">
+                  <a14:useLocalDpi xmlns:a14="http://schemas.microsoft.com/office/drawing/2010/main" val="0"/>
+                </a:ext>
+              </a:extLst>
+            </a:blip>
+            <a:stretch>
+              <a:fillRect/>
+            </a:stretch>
+          </p:blipFill>
+          <p:spPr>
+            <a:xfrm>
+              <a:off x="2553431" y="5429250"/>
+              <a:ext cx="968239" cy="968239"/>
+            </a:xfrm>
+            <a:prstGeom prst="rect">
+              <a:avLst/>
+            </a:prstGeom>
+          </p:spPr>
+        </p:pic>
+        <p:pic>
+          <p:nvPicPr>
+            <p:cNvPr id="17" name="图片 16">
+              <a:extLst>
+                <a:ext uri="{FF2B5EF4-FFF2-40B4-BE49-F238E27FC236}">
+                  <a16:creationId xmlns:a16="http://schemas.microsoft.com/office/drawing/2014/main" id="{73095708-CC2E-43A9-B530-F183BC43BB16}"/>
+                </a:ext>
+              </a:extLst>
+            </p:cNvPr>
+            <p:cNvPicPr>
+              <a:picLocks noChangeAspect="1"/>
+            </p:cNvPicPr>
+            <p:nvPr/>
+          </p:nvPicPr>
+          <p:blipFill>
+            <a:blip r:embed="rId4">
+              <a:extLst>
+                <a:ext uri="{28A0092B-C50C-407E-A947-70E740481C1C}">
+                  <a14:useLocalDpi xmlns:a14="http://schemas.microsoft.com/office/drawing/2010/main" val="0"/>
+                </a:ext>
+              </a:extLst>
+            </a:blip>
+            <a:stretch>
+              <a:fillRect/>
+            </a:stretch>
+          </p:blipFill>
+          <p:spPr>
+            <a:xfrm>
+              <a:off x="3550245" y="5429250"/>
+              <a:ext cx="968239" cy="968239"/>
+            </a:xfrm>
+            <a:prstGeom prst="rect">
+              <a:avLst/>
+            </a:prstGeom>
+          </p:spPr>
+        </p:pic>
+      </p:grpSp>
+      <p:grpSp>
+        <p:nvGrpSpPr>
+          <p:cNvPr id="6" name="组合 5">
+            <a:extLst>
+              <a:ext uri="{FF2B5EF4-FFF2-40B4-BE49-F238E27FC236}">
+                <a16:creationId xmlns:a16="http://schemas.microsoft.com/office/drawing/2014/main" id="{C79A8CD6-4712-43A8-ADF9-08D4AE81CCDD}"/>
+              </a:ext>
+            </a:extLst>
+          </p:cNvPr>
+          <p:cNvGrpSpPr/>
+          <p:nvPr/>
+        </p:nvGrpSpPr>
+        <p:grpSpPr>
+          <a:xfrm>
+            <a:off x="5981026" y="0"/>
+            <a:ext cx="4623453" cy="6858000"/>
+            <a:chOff x="5981026" y="0"/>
+            <a:chExt cx="4623453" cy="6858000"/>
+          </a:xfrm>
+        </p:grpSpPr>
+        <p:grpSp>
+          <p:nvGrpSpPr>
+            <p:cNvPr id="19" name="组合 18">
+              <a:extLst>
+                <a:ext uri="{FF2B5EF4-FFF2-40B4-BE49-F238E27FC236}">
+                  <a16:creationId xmlns:a16="http://schemas.microsoft.com/office/drawing/2014/main" id="{149B9D64-CBCF-452D-AE91-D295BA8E4602}"/>
+                </a:ext>
+              </a:extLst>
+            </p:cNvPr>
+            <p:cNvGrpSpPr/>
+            <p:nvPr/>
+          </p:nvGrpSpPr>
+          <p:grpSpPr>
+            <a:xfrm>
+              <a:off x="5981026" y="0"/>
+              <a:ext cx="4623453" cy="6858000"/>
+              <a:chOff x="4362719" y="0"/>
+              <a:chExt cx="4623453" cy="6858000"/>
+            </a:xfrm>
+          </p:grpSpPr>
+          <p:pic>
+            <p:nvPicPr>
+              <p:cNvPr id="20" name="图片 19">
+                <a:extLst>
+                  <a:ext uri="{FF2B5EF4-FFF2-40B4-BE49-F238E27FC236}">
+                    <a16:creationId xmlns:a16="http://schemas.microsoft.com/office/drawing/2014/main" id="{0895C04B-FBA6-48B7-A235-8C14A27B2AF5}"/>
+                  </a:ext>
+                </a:extLst>
+              </p:cNvPr>
+              <p:cNvPicPr>
+                <a:picLocks noChangeAspect="1"/>
+              </p:cNvPicPr>
+              <p:nvPr/>
+            </p:nvPicPr>
+            <p:blipFill>
+              <a:blip r:embed="rId2">
+                <a:extLst>
+                  <a:ext uri="{28A0092B-C50C-407E-A947-70E740481C1C}">
+                    <a14:useLocalDpi xmlns:a14="http://schemas.microsoft.com/office/drawing/2010/main" val="0"/>
+                  </a:ext>
+                </a:extLst>
+              </a:blip>
+              <a:stretch>
+                <a:fillRect/>
+              </a:stretch>
+            </p:blipFill>
+            <p:spPr>
+              <a:xfrm>
+                <a:off x="4362719" y="0"/>
+                <a:ext cx="4623453" cy="6858000"/>
+              </a:xfrm>
+              <a:prstGeom prst="rect">
+                <a:avLst/>
+              </a:prstGeom>
+            </p:spPr>
+          </p:pic>
+          <p:sp>
+            <p:nvSpPr>
+              <p:cNvPr id="21" name="矩形 20">
+                <a:extLst>
+                  <a:ext uri="{FF2B5EF4-FFF2-40B4-BE49-F238E27FC236}">
+                    <a16:creationId xmlns:a16="http://schemas.microsoft.com/office/drawing/2014/main" id="{C12354AD-7FD5-4995-BD03-4FFB3F650C3B}"/>
+                  </a:ext>
+                </a:extLst>
+              </p:cNvPr>
+              <p:cNvSpPr/>
+              <p:nvPr/>
+            </p:nvSpPr>
+            <p:spPr>
+              <a:xfrm>
+                <a:off x="5114925" y="369661"/>
+                <a:ext cx="3427595" cy="4939814"/>
+              </a:xfrm>
+              <a:prstGeom prst="rect">
+                <a:avLst/>
+              </a:prstGeom>
+              <a:noFill/>
+            </p:spPr>
+            <p:txBody>
+              <a:bodyPr wrap="square" lIns="91440" tIns="45720" rIns="91440" bIns="45720">
+                <a:spAutoFit/>
+              </a:bodyPr>
+              <a:lstStyle/>
+              <a:p>
+                <a:pPr marL="0" marR="0" lvl="0" indent="0" algn="l" defTabSz="914400" rtl="0" eaLnBrk="1" fontAlgn="auto" latinLnBrk="0" hangingPunct="1">
+                  <a:lnSpc>
+                    <a:spcPct val="100000"/>
+                  </a:lnSpc>
+                  <a:spcBef>
+                    <a:spcPts val="0"/>
+                  </a:spcBef>
+                  <a:spcAft>
+                    <a:spcPts val="0"/>
+                  </a:spcAft>
+                  <a:buClrTx/>
+                  <a:buSzTx/>
+                  <a:buFontTx/>
+                  <a:buNone/>
+                  <a:tabLst/>
+                  <a:defRPr/>
+                </a:pPr>
+                <a:r>
+                  <a:rPr kumimoji="0" lang="zh-CN" altLang="en-US" sz="2100" b="0" i="0" u="sng" strike="noStrike" kern="1200" cap="none" spc="0" normalizeH="0" baseline="0" noProof="0" dirty="0">
+                    <a:ln w="0"/>
+                    <a:solidFill>
+                      <a:prstClr val="black"/>
+                    </a:solidFill>
+                    <a:effectLst>
+                      <a:outerShdw blurRad="38100" dist="38100" dir="2700000" algn="tl">
+                        <a:srgbClr val="000000">
+                          <a:alpha val="43137"/>
+                        </a:srgbClr>
+                      </a:outerShdw>
+                    </a:effectLst>
+                    <a:uLnTx/>
+                    <a:uFillTx/>
+                    <a:latin typeface="华文新魏" panose="02010800040101010101" pitchFamily="2" charset="-122"/>
+                    <a:ea typeface="华文新魏" panose="02010800040101010101" pitchFamily="2" charset="-122"/>
+                    <a:cs typeface="+mn-cs"/>
+                  </a:rPr>
+                  <a:t>献给莉莉：</a:t>
+                </a:r>
+                <a:endParaRPr kumimoji="0" lang="en-US" altLang="zh-CN" sz="2100" b="0" i="0" u="sng" strike="noStrike" kern="1200" cap="none" spc="0" normalizeH="0" baseline="0" noProof="0" dirty="0">
+                  <a:ln w="0"/>
+                  <a:solidFill>
+                    <a:prstClr val="black"/>
+                  </a:solidFill>
+                  <a:effectLst>
+                    <a:outerShdw blurRad="38100" dist="38100" dir="2700000" algn="tl">
+                      <a:srgbClr val="000000">
+                        <a:alpha val="43137"/>
+                      </a:srgbClr>
+                    </a:outerShdw>
+                  </a:effectLst>
+                  <a:uLnTx/>
+                  <a:uFillTx/>
+                  <a:latin typeface="华文新魏" panose="02010800040101010101" pitchFamily="2" charset="-122"/>
+                  <a:ea typeface="华文新魏" panose="02010800040101010101" pitchFamily="2" charset="-122"/>
+                  <a:cs typeface="+mn-cs"/>
+                </a:endParaRPr>
+              </a:p>
+              <a:p>
+                <a:pPr marL="0" marR="0" lvl="0" indent="0" algn="l" defTabSz="914400" rtl="0" eaLnBrk="1" fontAlgn="auto" latinLnBrk="0" hangingPunct="1">
+                  <a:lnSpc>
+                    <a:spcPct val="100000"/>
+                  </a:lnSpc>
+                  <a:spcBef>
+                    <a:spcPts val="0"/>
+                  </a:spcBef>
+                  <a:spcAft>
+                    <a:spcPts val="0"/>
+                  </a:spcAft>
+                  <a:buClrTx/>
+                  <a:buSzTx/>
+                  <a:buFontTx/>
+                  <a:buNone/>
+                  <a:tabLst/>
+                  <a:defRPr/>
+                </a:pPr>
+                <a:endParaRPr kumimoji="0" lang="en-US" altLang="zh-CN" sz="2100" b="0" i="0" u="sng" strike="noStrike" kern="1200" cap="none" spc="0" normalizeH="0" baseline="0" noProof="0" dirty="0">
+                  <a:ln w="0"/>
+                  <a:solidFill>
+                    <a:prstClr val="black"/>
+                  </a:solidFill>
+                  <a:effectLst>
+                    <a:outerShdw blurRad="38100" dist="38100" dir="2700000" algn="tl">
+                      <a:srgbClr val="000000">
+                        <a:alpha val="43137"/>
+                      </a:srgbClr>
+                    </a:outerShdw>
+                  </a:effectLst>
+                  <a:uLnTx/>
+                  <a:uFillTx/>
+                  <a:latin typeface="华文新魏" panose="02010800040101010101" pitchFamily="2" charset="-122"/>
+                  <a:ea typeface="华文新魏" panose="02010800040101010101" pitchFamily="2" charset="-122"/>
+                  <a:cs typeface="+mn-cs"/>
+                </a:endParaRPr>
+              </a:p>
+              <a:p>
+                <a:pPr marL="0" marR="0" lvl="0" indent="0" algn="l" defTabSz="914400" rtl="0" eaLnBrk="1" fontAlgn="auto" latinLnBrk="0" hangingPunct="1">
+                  <a:lnSpc>
+                    <a:spcPct val="100000"/>
+                  </a:lnSpc>
+                  <a:spcBef>
+                    <a:spcPts val="0"/>
+                  </a:spcBef>
+                  <a:spcAft>
+                    <a:spcPts val="0"/>
+                  </a:spcAft>
+                  <a:buClrTx/>
+                  <a:buSzTx/>
+                  <a:buFontTx/>
+                  <a:buNone/>
+                  <a:tabLst/>
+                  <a:defRPr/>
+                </a:pPr>
+                <a:r>
+                  <a:rPr kumimoji="0" lang="zh-CN" altLang="en-US" sz="2100" b="0" i="0" u="sng" strike="noStrike" kern="1200" cap="none" spc="0" normalizeH="0" baseline="0" noProof="0" dirty="0">
+                    <a:ln w="0"/>
+                    <a:solidFill>
+                      <a:prstClr val="black"/>
+                    </a:solidFill>
+                    <a:effectLst>
+                      <a:outerShdw blurRad="38100" dist="38100" dir="2700000" algn="tl">
+                        <a:srgbClr val="000000">
+                          <a:alpha val="43137"/>
+                        </a:srgbClr>
+                      </a:outerShdw>
+                    </a:effectLst>
+                    <a:uLnTx/>
+                    <a:uFillTx/>
+                    <a:latin typeface="华文新魏" panose="02010800040101010101" pitchFamily="2" charset="-122"/>
+                    <a:ea typeface="华文新魏" panose="02010800040101010101" pitchFamily="2" charset="-122"/>
+                    <a:cs typeface="+mn-cs"/>
+                  </a:rPr>
+                  <a:t>这是小土豆亲手设计并制作的一款安卓游戏。我把它送给我的小可爱。</a:t>
+                </a:r>
+                <a:endParaRPr kumimoji="0" lang="en-US" altLang="zh-CN" sz="2100" b="0" i="0" u="sng" strike="noStrike" kern="1200" cap="none" spc="0" normalizeH="0" baseline="0" noProof="0" dirty="0">
+                  <a:ln w="0"/>
+                  <a:solidFill>
+                    <a:prstClr val="black"/>
+                  </a:solidFill>
+                  <a:effectLst>
+                    <a:outerShdw blurRad="38100" dist="38100" dir="2700000" algn="tl">
+                      <a:srgbClr val="000000">
+                        <a:alpha val="43137"/>
+                      </a:srgbClr>
+                    </a:outerShdw>
+                  </a:effectLst>
+                  <a:uLnTx/>
+                  <a:uFillTx/>
+                  <a:latin typeface="华文新魏" panose="02010800040101010101" pitchFamily="2" charset="-122"/>
+                  <a:ea typeface="华文新魏" panose="02010800040101010101" pitchFamily="2" charset="-122"/>
+                  <a:cs typeface="+mn-cs"/>
+                </a:endParaRPr>
+              </a:p>
+              <a:p>
+                <a:pPr marL="0" marR="0" lvl="0" indent="0" algn="l" defTabSz="914400" rtl="0" eaLnBrk="1" fontAlgn="auto" latinLnBrk="0" hangingPunct="1">
+                  <a:lnSpc>
+                    <a:spcPct val="100000"/>
+                  </a:lnSpc>
+                  <a:spcBef>
+                    <a:spcPts val="0"/>
+                  </a:spcBef>
+                  <a:spcAft>
+                    <a:spcPts val="0"/>
+                  </a:spcAft>
+                  <a:buClrTx/>
+                  <a:buSzTx/>
+                  <a:buFontTx/>
+                  <a:buNone/>
+                  <a:tabLst/>
+                  <a:defRPr/>
+                </a:pPr>
+                <a:endParaRPr kumimoji="0" lang="en-US" altLang="zh-CN" sz="2100" b="0" i="0" u="sng" strike="noStrike" kern="1200" cap="none" spc="0" normalizeH="0" baseline="0" noProof="0" dirty="0">
+                  <a:ln w="0"/>
+                  <a:solidFill>
+                    <a:prstClr val="black"/>
+                  </a:solidFill>
+                  <a:effectLst>
+                    <a:outerShdw blurRad="38100" dist="38100" dir="2700000" algn="tl">
+                      <a:srgbClr val="000000">
+                        <a:alpha val="43137"/>
+                      </a:srgbClr>
+                    </a:outerShdw>
+                  </a:effectLst>
+                  <a:uLnTx/>
+                  <a:uFillTx/>
+                  <a:latin typeface="华文新魏" panose="02010800040101010101" pitchFamily="2" charset="-122"/>
+                  <a:ea typeface="华文新魏" panose="02010800040101010101" pitchFamily="2" charset="-122"/>
+                  <a:cs typeface="+mn-cs"/>
+                </a:endParaRPr>
+              </a:p>
+              <a:p>
+                <a:pPr marL="0" marR="0" lvl="0" indent="0" algn="l" defTabSz="914400" rtl="0" eaLnBrk="1" fontAlgn="auto" latinLnBrk="0" hangingPunct="1">
+                  <a:lnSpc>
+                    <a:spcPct val="100000"/>
+                  </a:lnSpc>
+                  <a:spcBef>
+                    <a:spcPts val="0"/>
+                  </a:spcBef>
+                  <a:spcAft>
+                    <a:spcPts val="0"/>
+                  </a:spcAft>
+                  <a:buClrTx/>
+                  <a:buSzTx/>
+                  <a:buFontTx/>
+                  <a:buNone/>
+                  <a:tabLst/>
+                  <a:defRPr/>
+                </a:pPr>
+                <a:r>
+                  <a:rPr kumimoji="0" lang="zh-CN" altLang="en-US" sz="2100" b="0" i="0" u="sng" strike="noStrike" kern="1200" cap="none" spc="0" normalizeH="0" baseline="0" noProof="0" dirty="0">
+                    <a:ln w="0"/>
+                    <a:solidFill>
+                      <a:prstClr val="black"/>
+                    </a:solidFill>
+                    <a:effectLst>
+                      <a:outerShdw blurRad="38100" dist="38100" dir="2700000" algn="tl">
+                        <a:srgbClr val="000000">
+                          <a:alpha val="43137"/>
+                        </a:srgbClr>
+                      </a:outerShdw>
+                    </a:effectLst>
+                    <a:uLnTx/>
+                    <a:uFillTx/>
+                    <a:latin typeface="华文新魏" panose="02010800040101010101" pitchFamily="2" charset="-122"/>
+                    <a:ea typeface="华文新魏" panose="02010800040101010101" pitchFamily="2" charset="-122"/>
+                    <a:cs typeface="+mn-cs"/>
+                  </a:rPr>
+                  <a:t>我盼着莉莉回来，到时候可以一起玩这个游戏。</a:t>
+                </a:r>
+                <a:endParaRPr kumimoji="0" lang="en-US" altLang="zh-CN" sz="2100" b="0" i="0" u="sng" strike="noStrike" kern="1200" cap="none" spc="0" normalizeH="0" baseline="0" noProof="0" dirty="0">
+                  <a:ln w="0"/>
+                  <a:solidFill>
+                    <a:prstClr val="black"/>
+                  </a:solidFill>
+                  <a:effectLst>
+                    <a:outerShdw blurRad="38100" dist="38100" dir="2700000" algn="tl">
+                      <a:srgbClr val="000000">
+                        <a:alpha val="43137"/>
+                      </a:srgbClr>
+                    </a:outerShdw>
+                  </a:effectLst>
+                  <a:uLnTx/>
+                  <a:uFillTx/>
+                  <a:latin typeface="华文新魏" panose="02010800040101010101" pitchFamily="2" charset="-122"/>
+                  <a:ea typeface="华文新魏" panose="02010800040101010101" pitchFamily="2" charset="-122"/>
+                  <a:cs typeface="+mn-cs"/>
+                </a:endParaRPr>
+              </a:p>
+              <a:p>
+                <a:pPr marL="0" marR="0" lvl="0" indent="0" algn="l" defTabSz="914400" rtl="0" eaLnBrk="1" fontAlgn="auto" latinLnBrk="0" hangingPunct="1">
+                  <a:lnSpc>
+                    <a:spcPct val="100000"/>
+                  </a:lnSpc>
+                  <a:spcBef>
+                    <a:spcPts val="0"/>
+                  </a:spcBef>
+                  <a:spcAft>
+                    <a:spcPts val="0"/>
+                  </a:spcAft>
+                  <a:buClrTx/>
+                  <a:buSzTx/>
+                  <a:buFontTx/>
+                  <a:buNone/>
+                  <a:tabLst/>
+                  <a:defRPr/>
+                </a:pPr>
+                <a:endParaRPr kumimoji="0" lang="zh-CN" altLang="en-US" sz="2100" b="0" i="0" u="sng" strike="noStrike" kern="1200" cap="none" spc="0" normalizeH="0" baseline="0" noProof="0" dirty="0">
+                  <a:ln w="0"/>
+                  <a:solidFill>
+                    <a:prstClr val="black"/>
+                  </a:solidFill>
+                  <a:effectLst>
+                    <a:outerShdw blurRad="38100" dist="38100" dir="2700000" algn="tl">
+                      <a:srgbClr val="000000">
+                        <a:alpha val="43137"/>
+                      </a:srgbClr>
+                    </a:outerShdw>
+                  </a:effectLst>
+                  <a:uLnTx/>
+                  <a:uFillTx/>
+                  <a:latin typeface="华文新魏" panose="02010800040101010101" pitchFamily="2" charset="-122"/>
+                  <a:ea typeface="华文新魏" panose="02010800040101010101" pitchFamily="2" charset="-122"/>
+                  <a:cs typeface="+mn-cs"/>
+                </a:endParaRPr>
+              </a:p>
+              <a:p>
+                <a:pPr marL="0" marR="0" lvl="0" indent="0" algn="l" defTabSz="914400" rtl="0" eaLnBrk="1" fontAlgn="auto" latinLnBrk="0" hangingPunct="1">
+                  <a:lnSpc>
+                    <a:spcPct val="100000"/>
+                  </a:lnSpc>
+                  <a:spcBef>
+                    <a:spcPts val="0"/>
+                  </a:spcBef>
+                  <a:spcAft>
+                    <a:spcPts val="0"/>
+                  </a:spcAft>
+                  <a:buClrTx/>
+                  <a:buSzTx/>
+                  <a:buFontTx/>
+                  <a:buNone/>
+                  <a:tabLst/>
+                  <a:defRPr/>
+                </a:pPr>
+                <a:r>
+                  <a:rPr kumimoji="0" lang="zh-CN" altLang="en-US" sz="2100" b="0" i="0" u="sng" strike="noStrike" kern="1200" cap="none" spc="0" normalizeH="0" baseline="0" noProof="0" dirty="0">
+                    <a:ln w="0"/>
+                    <a:solidFill>
+                      <a:prstClr val="black"/>
+                    </a:solidFill>
+                    <a:effectLst>
+                      <a:outerShdw blurRad="38100" dist="38100" dir="2700000" algn="tl">
+                        <a:srgbClr val="000000">
+                          <a:alpha val="43137"/>
+                        </a:srgbClr>
+                      </a:outerShdw>
+                    </a:effectLst>
+                    <a:uLnTx/>
+                    <a:uFillTx/>
+                    <a:latin typeface="华文新魏" panose="02010800040101010101" pitchFamily="2" charset="-122"/>
+                    <a:ea typeface="华文新魏" panose="02010800040101010101" pitchFamily="2" charset="-122"/>
+                    <a:cs typeface="+mn-cs"/>
+                  </a:rPr>
+                  <a:t>么么哒，小萌莉</a:t>
+                </a:r>
+                <a:r>
+                  <a:rPr kumimoji="0" lang="en-US" altLang="zh-CN" sz="2100" b="0" i="0" u="sng" strike="noStrike" kern="1200" cap="none" spc="0" normalizeH="0" baseline="0" noProof="0" dirty="0">
+                    <a:ln w="0"/>
+                    <a:solidFill>
+                      <a:prstClr val="black"/>
+                    </a:solidFill>
+                    <a:effectLst>
+                      <a:outerShdw blurRad="38100" dist="38100" dir="2700000" algn="tl">
+                        <a:srgbClr val="000000">
+                          <a:alpha val="43137"/>
+                        </a:srgbClr>
+                      </a:outerShdw>
+                    </a:effectLst>
+                    <a:uLnTx/>
+                    <a:uFillTx/>
+                    <a:latin typeface="华文新魏" panose="02010800040101010101" pitchFamily="2" charset="-122"/>
+                    <a:ea typeface="华文新魏" panose="02010800040101010101" pitchFamily="2" charset="-122"/>
+                    <a:cs typeface="+mn-cs"/>
+                  </a:rPr>
+                  <a:t>~</a:t>
+                </a:r>
+                <a:r>
+                  <a:rPr kumimoji="0" lang="zh-CN" altLang="en-US" sz="2100" b="0" i="0" u="sng" strike="noStrike" kern="1200" cap="none" spc="0" normalizeH="0" baseline="0" noProof="0" dirty="0">
+                    <a:ln w="0"/>
+                    <a:solidFill>
+                      <a:prstClr val="black"/>
+                    </a:solidFill>
+                    <a:effectLst>
+                      <a:outerShdw blurRad="38100" dist="38100" dir="2700000" algn="tl">
+                        <a:srgbClr val="000000">
+                          <a:alpha val="43137"/>
+                        </a:srgbClr>
+                      </a:outerShdw>
+                    </a:effectLst>
+                    <a:uLnTx/>
+                    <a:uFillTx/>
+                    <a:latin typeface="华文新魏" panose="02010800040101010101" pitchFamily="2" charset="-122"/>
+                    <a:ea typeface="华文新魏" panose="02010800040101010101" pitchFamily="2" charset="-122"/>
+                    <a:cs typeface="+mn-cs"/>
+                  </a:rPr>
+                  <a:t>愿我能每天和你分享各种各样的开心事。</a:t>
+                </a:r>
+                <a:endParaRPr kumimoji="0" lang="en-US" altLang="zh-CN" sz="2100" b="0" i="0" u="sng" strike="noStrike" kern="1200" cap="none" spc="0" normalizeH="0" baseline="0" noProof="0" dirty="0">
+                  <a:ln w="0"/>
+                  <a:solidFill>
+                    <a:prstClr val="black"/>
+                  </a:solidFill>
+                  <a:effectLst>
+                    <a:outerShdw blurRad="38100" dist="38100" dir="2700000" algn="tl">
+                      <a:srgbClr val="000000">
+                        <a:alpha val="43137"/>
+                      </a:srgbClr>
+                    </a:outerShdw>
+                  </a:effectLst>
+                  <a:uLnTx/>
+                  <a:uFillTx/>
+                  <a:latin typeface="华文新魏" panose="02010800040101010101" pitchFamily="2" charset="-122"/>
+                  <a:ea typeface="华文新魏" panose="02010800040101010101" pitchFamily="2" charset="-122"/>
+                  <a:cs typeface="+mn-cs"/>
+                </a:endParaRPr>
+              </a:p>
+              <a:p>
+                <a:pPr marL="0" marR="0" lvl="0" indent="0" algn="l" defTabSz="914400" rtl="0" eaLnBrk="1" fontAlgn="auto" latinLnBrk="0" hangingPunct="1">
+                  <a:lnSpc>
+                    <a:spcPct val="100000"/>
+                  </a:lnSpc>
+                  <a:spcBef>
+                    <a:spcPts val="0"/>
+                  </a:spcBef>
+                  <a:spcAft>
+                    <a:spcPts val="0"/>
+                  </a:spcAft>
+                  <a:buClrTx/>
+                  <a:buSzTx/>
+                  <a:buFontTx/>
+                  <a:buNone/>
+                  <a:tabLst/>
+                  <a:defRPr/>
+                </a:pPr>
+                <a:endParaRPr kumimoji="0" lang="zh-CN" altLang="en-US" sz="2100" b="0" i="0" u="sng" strike="noStrike" kern="1200" cap="none" spc="0" normalizeH="0" baseline="0" noProof="0" dirty="0">
+                  <a:ln w="0"/>
+                  <a:solidFill>
+                    <a:prstClr val="black"/>
+                  </a:solidFill>
+                  <a:effectLst>
+                    <a:outerShdw blurRad="38100" dist="38100" dir="2700000" algn="tl">
+                      <a:srgbClr val="000000">
+                        <a:alpha val="43137"/>
+                      </a:srgbClr>
+                    </a:outerShdw>
+                  </a:effectLst>
+                  <a:uLnTx/>
+                  <a:uFillTx/>
+                  <a:latin typeface="华文新魏" panose="02010800040101010101" pitchFamily="2" charset="-122"/>
+                  <a:ea typeface="华文新魏" panose="02010800040101010101" pitchFamily="2" charset="-122"/>
+                  <a:cs typeface="+mn-cs"/>
+                </a:endParaRPr>
+              </a:p>
+              <a:p>
+                <a:pPr marL="0" marR="0" lvl="0" indent="0" algn="l" defTabSz="914400" rtl="0" eaLnBrk="1" fontAlgn="auto" latinLnBrk="0" hangingPunct="1">
+                  <a:lnSpc>
+                    <a:spcPct val="100000"/>
+                  </a:lnSpc>
+                  <a:spcBef>
+                    <a:spcPts val="0"/>
+                  </a:spcBef>
+                  <a:spcAft>
+                    <a:spcPts val="0"/>
+                  </a:spcAft>
+                  <a:buClrTx/>
+                  <a:buSzTx/>
+                  <a:buFontTx/>
+                  <a:buNone/>
+                  <a:tabLst/>
+                  <a:defRPr/>
+                </a:pPr>
+                <a:r>
+                  <a:rPr kumimoji="0" lang="en-US" altLang="zh-CN" sz="2100" b="0" i="0" u="none" strike="noStrike" kern="1200" cap="none" spc="0" normalizeH="0" baseline="0" noProof="0" dirty="0">
+                    <a:ln w="0"/>
+                    <a:solidFill>
+                      <a:prstClr val="black"/>
+                    </a:solidFill>
+                    <a:effectLst>
+                      <a:outerShdw blurRad="38100" dist="38100" dir="2700000" algn="tl">
+                        <a:srgbClr val="000000">
+                          <a:alpha val="43137"/>
+                        </a:srgbClr>
+                      </a:outerShdw>
+                    </a:effectLst>
+                    <a:uLnTx/>
+                    <a:uFillTx/>
+                    <a:latin typeface="华文新魏" panose="02010800040101010101" pitchFamily="2" charset="-122"/>
+                    <a:ea typeface="华文新魏" panose="02010800040101010101" pitchFamily="2" charset="-122"/>
+                    <a:cs typeface="+mn-cs"/>
+                  </a:rPr>
+                  <a:t>                    </a:t>
+                </a:r>
+                <a:r>
+                  <a:rPr kumimoji="0" lang="en-US" altLang="zh-CN" sz="2100" b="0" i="0" u="sng" strike="noStrike" kern="1200" cap="none" spc="0" normalizeH="0" baseline="0" noProof="0" dirty="0">
+                    <a:ln w="0"/>
+                    <a:solidFill>
+                      <a:prstClr val="black"/>
+                    </a:solidFill>
+                    <a:effectLst>
+                      <a:outerShdw blurRad="38100" dist="38100" dir="2700000" algn="tl">
+                        <a:srgbClr val="000000">
+                          <a:alpha val="43137"/>
+                        </a:srgbClr>
+                      </a:outerShdw>
+                    </a:effectLst>
+                    <a:uLnTx/>
+                    <a:uFillTx/>
+                    <a:latin typeface="华文新魏" panose="02010800040101010101" pitchFamily="2" charset="-122"/>
+                    <a:ea typeface="华文新魏" panose="02010800040101010101" pitchFamily="2" charset="-122"/>
+                    <a:cs typeface="+mn-cs"/>
+                  </a:rPr>
+                  <a:t>2018</a:t>
+                </a:r>
+                <a:r>
+                  <a:rPr kumimoji="0" lang="zh-CN" altLang="en-US" sz="2100" b="0" i="0" u="sng" strike="noStrike" kern="1200" cap="none" spc="0" normalizeH="0" baseline="0" noProof="0" dirty="0">
+                    <a:ln w="0"/>
+                    <a:solidFill>
+                      <a:prstClr val="black"/>
+                    </a:solidFill>
+                    <a:effectLst>
+                      <a:outerShdw blurRad="38100" dist="38100" dir="2700000" algn="tl">
+                        <a:srgbClr val="000000">
+                          <a:alpha val="43137"/>
+                        </a:srgbClr>
+                      </a:outerShdw>
+                    </a:effectLst>
+                    <a:uLnTx/>
+                    <a:uFillTx/>
+                    <a:latin typeface="华文新魏" panose="02010800040101010101" pitchFamily="2" charset="-122"/>
+                    <a:ea typeface="华文新魏" panose="02010800040101010101" pitchFamily="2" charset="-122"/>
+                    <a:cs typeface="+mn-cs"/>
+                  </a:rPr>
+                  <a:t>年</a:t>
+                </a:r>
+                <a:r>
+                  <a:rPr kumimoji="0" lang="en-US" altLang="zh-CN" sz="2100" b="0" i="0" u="sng" strike="noStrike" kern="1200" cap="none" spc="0" normalizeH="0" baseline="0" noProof="0" dirty="0">
+                    <a:ln w="0"/>
+                    <a:solidFill>
+                      <a:prstClr val="black"/>
+                    </a:solidFill>
+                    <a:effectLst>
+                      <a:outerShdw blurRad="38100" dist="38100" dir="2700000" algn="tl">
+                        <a:srgbClr val="000000">
+                          <a:alpha val="43137"/>
+                        </a:srgbClr>
+                      </a:outerShdw>
+                    </a:effectLst>
+                    <a:uLnTx/>
+                    <a:uFillTx/>
+                    <a:latin typeface="华文新魏" panose="02010800040101010101" pitchFamily="2" charset="-122"/>
+                    <a:ea typeface="华文新魏" panose="02010800040101010101" pitchFamily="2" charset="-122"/>
+                    <a:cs typeface="+mn-cs"/>
+                  </a:rPr>
+                  <a:t>9</a:t>
+                </a:r>
+                <a:r>
+                  <a:rPr kumimoji="0" lang="zh-CN" altLang="en-US" sz="2100" b="0" i="0" u="sng" strike="noStrike" kern="1200" cap="none" spc="0" normalizeH="0" baseline="0" noProof="0" dirty="0">
+                    <a:ln w="0"/>
+                    <a:solidFill>
+                      <a:prstClr val="black"/>
+                    </a:solidFill>
+                    <a:effectLst>
+                      <a:outerShdw blurRad="38100" dist="38100" dir="2700000" algn="tl">
+                        <a:srgbClr val="000000">
+                          <a:alpha val="43137"/>
+                        </a:srgbClr>
+                      </a:outerShdw>
+                    </a:effectLst>
+                    <a:uLnTx/>
+                    <a:uFillTx/>
+                    <a:latin typeface="华文新魏" panose="02010800040101010101" pitchFamily="2" charset="-122"/>
+                    <a:ea typeface="华文新魏" panose="02010800040101010101" pitchFamily="2" charset="-122"/>
+                    <a:cs typeface="+mn-cs"/>
+                  </a:rPr>
+                  <a:t>月</a:t>
+                </a:r>
+                <a:r>
+                  <a:rPr kumimoji="0" lang="en-US" altLang="zh-CN" sz="2100" b="0" i="0" u="sng" strike="noStrike" kern="1200" cap="none" spc="0" normalizeH="0" baseline="0" noProof="0" dirty="0">
+                    <a:ln w="0"/>
+                    <a:solidFill>
+                      <a:prstClr val="black"/>
+                    </a:solidFill>
+                    <a:effectLst>
+                      <a:outerShdw blurRad="38100" dist="38100" dir="2700000" algn="tl">
+                        <a:srgbClr val="000000">
+                          <a:alpha val="43137"/>
+                        </a:srgbClr>
+                      </a:outerShdw>
+                    </a:effectLst>
+                    <a:uLnTx/>
+                    <a:uFillTx/>
+                    <a:latin typeface="华文新魏" panose="02010800040101010101" pitchFamily="2" charset="-122"/>
+                    <a:ea typeface="华文新魏" panose="02010800040101010101" pitchFamily="2" charset="-122"/>
+                    <a:cs typeface="+mn-cs"/>
+                  </a:rPr>
+                  <a:t>9</a:t>
+                </a:r>
+                <a:r>
+                  <a:rPr kumimoji="0" lang="zh-CN" altLang="en-US" sz="2100" b="0" i="0" u="sng" strike="noStrike" kern="1200" cap="none" spc="0" normalizeH="0" baseline="0" noProof="0" dirty="0">
+                    <a:ln w="0"/>
+                    <a:solidFill>
+                      <a:prstClr val="black"/>
+                    </a:solidFill>
+                    <a:effectLst>
+                      <a:outerShdw blurRad="38100" dist="38100" dir="2700000" algn="tl">
+                        <a:srgbClr val="000000">
+                          <a:alpha val="43137"/>
+                        </a:srgbClr>
+                      </a:outerShdw>
+                    </a:effectLst>
+                    <a:uLnTx/>
+                    <a:uFillTx/>
+                    <a:latin typeface="华文新魏" panose="02010800040101010101" pitchFamily="2" charset="-122"/>
+                    <a:ea typeface="华文新魏" panose="02010800040101010101" pitchFamily="2" charset="-122"/>
+                    <a:cs typeface="+mn-cs"/>
+                  </a:rPr>
+                  <a:t>日</a:t>
+                </a:r>
+                <a:endParaRPr kumimoji="0" lang="en-US" altLang="zh-CN" sz="2100" b="0" i="0" u="sng" strike="noStrike" kern="1200" cap="none" spc="0" normalizeH="0" baseline="0" noProof="0" dirty="0">
+                  <a:ln w="0"/>
+                  <a:solidFill>
+                    <a:prstClr val="black"/>
+                  </a:solidFill>
+                  <a:effectLst>
+                    <a:outerShdw blurRad="38100" dist="38100" dir="2700000" algn="tl">
+                      <a:srgbClr val="000000">
+                        <a:alpha val="43137"/>
+                      </a:srgbClr>
+                    </a:outerShdw>
+                  </a:effectLst>
+                  <a:uLnTx/>
+                  <a:uFillTx/>
+                  <a:latin typeface="华文新魏" panose="02010800040101010101" pitchFamily="2" charset="-122"/>
+                  <a:ea typeface="华文新魏" panose="02010800040101010101" pitchFamily="2" charset="-122"/>
+                  <a:cs typeface="+mn-cs"/>
+                </a:endParaRPr>
+              </a:p>
+              <a:p>
+                <a:pPr marL="0" marR="0" lvl="0" indent="0" algn="l" defTabSz="914400" rtl="0" eaLnBrk="1" fontAlgn="auto" latinLnBrk="0" hangingPunct="1">
+                  <a:lnSpc>
+                    <a:spcPct val="100000"/>
+                  </a:lnSpc>
+                  <a:spcBef>
+                    <a:spcPts val="0"/>
+                  </a:spcBef>
+                  <a:spcAft>
+                    <a:spcPts val="0"/>
+                  </a:spcAft>
+                  <a:buClrTx/>
+                  <a:buSzTx/>
+                  <a:buFontTx/>
+                  <a:buNone/>
+                  <a:tabLst/>
+                  <a:defRPr/>
+                </a:pPr>
+                <a:r>
+                  <a:rPr kumimoji="0" lang="zh-CN" altLang="en-US" sz="2100" b="0" i="0" u="none" strike="noStrike" kern="1200" cap="none" spc="0" normalizeH="0" baseline="0" noProof="0" dirty="0">
+                    <a:ln w="0"/>
+                    <a:solidFill>
+                      <a:prstClr val="black"/>
+                    </a:solidFill>
+                    <a:effectLst>
+                      <a:outerShdw blurRad="38100" dist="38100" dir="2700000" algn="tl">
+                        <a:srgbClr val="000000">
+                          <a:alpha val="43137"/>
+                        </a:srgbClr>
+                      </a:outerShdw>
+                    </a:effectLst>
+                    <a:uLnTx/>
+                    <a:uFillTx/>
+                    <a:latin typeface="华文新魏" panose="02010800040101010101" pitchFamily="2" charset="-122"/>
+                    <a:ea typeface="华文新魏" panose="02010800040101010101" pitchFamily="2" charset="-122"/>
+                    <a:cs typeface="+mn-cs"/>
+                  </a:rPr>
+                  <a:t>                 </a:t>
+                </a:r>
+                <a:r>
+                  <a:rPr kumimoji="0" lang="en-US" altLang="zh-CN" sz="2100" b="0" i="0" u="sng" strike="noStrike" kern="1200" cap="none" spc="0" normalizeH="0" baseline="0" noProof="0" dirty="0">
+                    <a:ln w="0"/>
+                    <a:solidFill>
+                      <a:prstClr val="black"/>
+                    </a:solidFill>
+                    <a:effectLst>
+                      <a:outerShdw blurRad="38100" dist="38100" dir="2700000" algn="tl">
+                        <a:srgbClr val="000000">
+                          <a:alpha val="43137"/>
+                        </a:srgbClr>
+                      </a:outerShdw>
+                    </a:effectLst>
+                    <a:uLnTx/>
+                    <a:uFillTx/>
+                    <a:latin typeface="华文新魏" panose="02010800040101010101" pitchFamily="2" charset="-122"/>
+                    <a:ea typeface="华文新魏" panose="02010800040101010101" pitchFamily="2" charset="-122"/>
+                    <a:cs typeface="+mn-cs"/>
+                  </a:rPr>
+                  <a:t>——</a:t>
+                </a:r>
+                <a:r>
+                  <a:rPr kumimoji="0" lang="zh-CN" altLang="en-US" sz="2100" b="0" i="0" u="sng" strike="noStrike" kern="1200" cap="none" spc="0" normalizeH="0" baseline="0" noProof="0" dirty="0">
+                    <a:ln w="0"/>
+                    <a:solidFill>
+                      <a:prstClr val="black"/>
+                    </a:solidFill>
+                    <a:effectLst>
+                      <a:outerShdw blurRad="38100" dist="38100" dir="2700000" algn="tl">
+                        <a:srgbClr val="000000">
+                          <a:alpha val="43137"/>
+                        </a:srgbClr>
+                      </a:outerShdw>
+                    </a:effectLst>
+                    <a:uLnTx/>
+                    <a:uFillTx/>
+                    <a:latin typeface="华文新魏" panose="02010800040101010101" pitchFamily="2" charset="-122"/>
+                    <a:ea typeface="华文新魏" panose="02010800040101010101" pitchFamily="2" charset="-122"/>
+                    <a:cs typeface="+mn-cs"/>
+                  </a:rPr>
+                  <a:t>你的小土豆 </a:t>
+                </a:r>
+              </a:p>
+            </p:txBody>
+          </p:sp>
+        </p:grpSp>
+        <p:pic>
+          <p:nvPicPr>
+            <p:cNvPr id="22" name="图片 21">
+              <a:extLst>
+                <a:ext uri="{FF2B5EF4-FFF2-40B4-BE49-F238E27FC236}">
+                  <a16:creationId xmlns:a16="http://schemas.microsoft.com/office/drawing/2014/main" id="{2F55BDB2-09A9-4791-927F-555FF80E7160}"/>
+                </a:ext>
+              </a:extLst>
+            </p:cNvPr>
+            <p:cNvPicPr>
+              <a:picLocks noChangeAspect="1"/>
+            </p:cNvPicPr>
+            <p:nvPr/>
+          </p:nvPicPr>
+          <p:blipFill>
+            <a:blip r:embed="rId5">
+              <a:extLst>
+                <a:ext uri="{28A0092B-C50C-407E-A947-70E740481C1C}">
+                  <a14:useLocalDpi xmlns:a14="http://schemas.microsoft.com/office/drawing/2010/main" val="0"/>
+                </a:ext>
+              </a:extLst>
+            </a:blip>
+            <a:stretch>
+              <a:fillRect/>
+            </a:stretch>
+          </p:blipFill>
+          <p:spPr>
+            <a:xfrm>
+              <a:off x="7981738" y="5429250"/>
+              <a:ext cx="968239" cy="968239"/>
+            </a:xfrm>
+            <a:prstGeom prst="rect">
+              <a:avLst/>
+            </a:prstGeom>
+          </p:spPr>
+        </p:pic>
+        <p:pic>
+          <p:nvPicPr>
+            <p:cNvPr id="23" name="图片 22">
+              <a:extLst>
+                <a:ext uri="{FF2B5EF4-FFF2-40B4-BE49-F238E27FC236}">
+                  <a16:creationId xmlns:a16="http://schemas.microsoft.com/office/drawing/2014/main" id="{8950FC36-7BA6-4C33-8017-F372EDFAB679}"/>
+                </a:ext>
+              </a:extLst>
+            </p:cNvPr>
+            <p:cNvPicPr>
+              <a:picLocks noChangeAspect="1"/>
+            </p:cNvPicPr>
+            <p:nvPr/>
+          </p:nvPicPr>
+          <p:blipFill>
+            <a:blip r:embed="rId6">
+              <a:extLst>
+                <a:ext uri="{28A0092B-C50C-407E-A947-70E740481C1C}">
+                  <a14:useLocalDpi xmlns:a14="http://schemas.microsoft.com/office/drawing/2010/main" val="0"/>
+                </a:ext>
+              </a:extLst>
+            </a:blip>
+            <a:stretch>
+              <a:fillRect/>
+            </a:stretch>
+          </p:blipFill>
+          <p:spPr>
+            <a:xfrm>
+              <a:off x="8978552" y="5429250"/>
+              <a:ext cx="968239" cy="968239"/>
+            </a:xfrm>
+            <a:prstGeom prst="rect">
+              <a:avLst/>
+            </a:prstGeom>
+          </p:spPr>
+        </p:pic>
+      </p:grpSp>
+    </p:spTree>
+    <p:extLst>
+      <p:ext uri="{BB962C8B-B14F-4D97-AF65-F5344CB8AC3E}">
+        <p14:creationId xmlns:p14="http://schemas.microsoft.com/office/powerpoint/2010/main" val="3076138041"/>
       </p:ext>
     </p:extLst>
   </p:cSld>
